--- a/wd/广度优先搜索及其优化 .pptx
+++ b/wd/广度优先搜索及其优化 .pptx
@@ -10,18 +10,16 @@
     <p:sldId id="298" r:id="rId4"/>
     <p:sldId id="300" r:id="rId5"/>
     <p:sldId id="301" r:id="rId6"/>
-    <p:sldId id="302" r:id="rId7"/>
-    <p:sldId id="303" r:id="rId8"/>
-    <p:sldId id="304" r:id="rId9"/>
-    <p:sldId id="305" r:id="rId10"/>
-    <p:sldId id="306" r:id="rId11"/>
-    <p:sldId id="307" r:id="rId12"/>
-    <p:sldId id="309" r:id="rId13"/>
-    <p:sldId id="310" r:id="rId14"/>
-    <p:sldId id="311" r:id="rId15"/>
-    <p:sldId id="312" r:id="rId16"/>
-    <p:sldId id="313" r:id="rId17"/>
-    <p:sldId id="314" r:id="rId18"/>
+    <p:sldId id="304" r:id="rId7"/>
+    <p:sldId id="305" r:id="rId8"/>
+    <p:sldId id="306" r:id="rId9"/>
+    <p:sldId id="307" r:id="rId10"/>
+    <p:sldId id="309" r:id="rId11"/>
+    <p:sldId id="310" r:id="rId12"/>
+    <p:sldId id="311" r:id="rId13"/>
+    <p:sldId id="312" r:id="rId14"/>
+    <p:sldId id="313" r:id="rId15"/>
+    <p:sldId id="314" r:id="rId16"/>
   </p:sldIdLst>
   <p:sldSz cx="12192000" cy="6858000"/>
   <p:notesSz cx="6858000" cy="9144000"/>
@@ -3974,1105 +3972,6 @@
                 <a:latin typeface="Times New Roman" panose="02020603050405020304" pitchFamily="18" charset="0"/>
                 <a:cs typeface="Times New Roman" panose="02020603050405020304" pitchFamily="18" charset="0"/>
               </a:rPr>
-              <a:t>BFS</a:t>
-            </a:r>
-            <a:r>
-              <a:rPr lang="zh-CN" altLang="en-US">
-                <a:latin typeface="Times New Roman" panose="02020603050405020304" pitchFamily="18" charset="0"/>
-                <a:cs typeface="Times New Roman" panose="02020603050405020304" pitchFamily="18" charset="0"/>
-              </a:rPr>
-              <a:t>变形</a:t>
-            </a:r>
-            <a:endParaRPr lang="en-US" altLang="zh-CN" dirty="0">
-              <a:latin typeface="Times New Roman" panose="02020603050405020304" pitchFamily="18" charset="0"/>
-              <a:cs typeface="Times New Roman" panose="02020603050405020304" pitchFamily="18" charset="0"/>
-            </a:endParaRPr>
-          </a:p>
-        </p:txBody>
-      </p:sp>
-      <p:sp>
-        <p:nvSpPr>
-          <p:cNvPr id="3" name="内容占位符 2"/>
-          <p:cNvSpPr>
-            <a:spLocks noGrp="1"/>
-          </p:cNvSpPr>
-          <p:nvPr>
-            <p:ph sz="quarter" idx="1"/>
-          </p:nvPr>
-        </p:nvSpPr>
-        <p:spPr/>
-        <p:txBody>
-          <a:bodyPr/>
-          <a:lstStyle/>
-          <a:p>
-            <a:r>
-              <a:rPr lang="zh-CN" altLang="en-US">
-                <a:latin typeface="Consolas" panose="020B0609020204030204" pitchFamily="49" charset="0"/>
-              </a:rPr>
-              <a:t>双端队列</a:t>
-            </a:r>
-            <a:r>
-              <a:rPr lang="en-US" altLang="zh-CN">
-                <a:latin typeface="Consolas" panose="020B0609020204030204" pitchFamily="49" charset="0"/>
-              </a:rPr>
-              <a:t>BFS</a:t>
-            </a:r>
-          </a:p>
-          <a:p>
-            <a:r>
-              <a:rPr lang="zh-CN" altLang="en-US">
-                <a:latin typeface="Consolas" panose="020B0609020204030204" pitchFamily="49" charset="0"/>
-              </a:rPr>
-              <a:t>优先队列</a:t>
-            </a:r>
-            <a:r>
-              <a:rPr lang="en-US" altLang="zh-CN">
-                <a:latin typeface="Consolas" panose="020B0609020204030204" pitchFamily="49" charset="0"/>
-              </a:rPr>
-              <a:t>BFS</a:t>
-            </a:r>
-          </a:p>
-          <a:p>
-            <a:r>
-              <a:rPr lang="zh-CN" altLang="en-US">
-                <a:latin typeface="Consolas" panose="020B0609020204030204" pitchFamily="49" charset="0"/>
-              </a:rPr>
-              <a:t>双向</a:t>
-            </a:r>
-            <a:r>
-              <a:rPr lang="en-US" altLang="zh-CN">
-                <a:latin typeface="Consolas" panose="020B0609020204030204" pitchFamily="49" charset="0"/>
-              </a:rPr>
-              <a:t>BFS</a:t>
-            </a:r>
-            <a:endParaRPr lang="zh-CN" altLang="en-US" dirty="0">
-              <a:latin typeface="Consolas" panose="020B0609020204030204" pitchFamily="49" charset="0"/>
-            </a:endParaRPr>
-          </a:p>
-        </p:txBody>
-      </p:sp>
-    </p:spTree>
-    <p:extLst>
-      <p:ext uri="{BB962C8B-B14F-4D97-AF65-F5344CB8AC3E}">
-        <p14:creationId xmlns:p14="http://schemas.microsoft.com/office/powerpoint/2010/main" val="2750117980"/>
-      </p:ext>
-    </p:extLst>
-  </p:cSld>
-  <p:clrMapOvr>
-    <a:masterClrMapping/>
-  </p:clrMapOvr>
-  <p:timing>
-    <p:tnLst>
-      <p:par>
-        <p:cTn id="1" dur="indefinite" restart="never" nodeType="tmRoot">
-          <p:childTnLst>
-            <p:seq concurrent="1" nextAc="seek">
-              <p:cTn id="2" dur="indefinite" nodeType="mainSeq">
-                <p:childTnLst>
-                  <p:par>
-                    <p:cTn id="3" fill="hold">
-                      <p:stCondLst>
-                        <p:cond delay="indefinite"/>
-                      </p:stCondLst>
-                      <p:childTnLst>
-                        <p:par>
-                          <p:cTn id="4" fill="hold">
-                            <p:stCondLst>
-                              <p:cond delay="0"/>
-                            </p:stCondLst>
-                            <p:childTnLst>
-                              <p:par>
-                                <p:cTn id="5" presetID="42" presetClass="entr" presetSubtype="0" fill="hold" grpId="0" nodeType="clickEffect">
-                                  <p:stCondLst>
-                                    <p:cond delay="0"/>
-                                  </p:stCondLst>
-                                  <p:childTnLst>
-                                    <p:set>
-                                      <p:cBhvr>
-                                        <p:cTn id="6" dur="1" fill="hold">
-                                          <p:stCondLst>
-                                            <p:cond delay="0"/>
-                                          </p:stCondLst>
-                                        </p:cTn>
-                                        <p:tgtEl>
-                                          <p:spTgt spid="3">
-                                            <p:txEl>
-                                              <p:pRg st="0" end="0"/>
-                                            </p:txEl>
-                                          </p:spTgt>
-                                        </p:tgtEl>
-                                        <p:attrNameLst>
-                                          <p:attrName>style.visibility</p:attrName>
-                                        </p:attrNameLst>
-                                      </p:cBhvr>
-                                      <p:to>
-                                        <p:strVal val="visible"/>
-                                      </p:to>
-                                    </p:set>
-                                    <p:animEffect transition="in" filter="fade">
-                                      <p:cBhvr>
-                                        <p:cTn id="7" dur="1000"/>
-                                        <p:tgtEl>
-                                          <p:spTgt spid="3">
-                                            <p:txEl>
-                                              <p:pRg st="0" end="0"/>
-                                            </p:txEl>
-                                          </p:spTgt>
-                                        </p:tgtEl>
-                                      </p:cBhvr>
-                                    </p:animEffect>
-                                    <p:anim calcmode="lin" valueType="num">
-                                      <p:cBhvr>
-                                        <p:cTn id="8" dur="1000" fill="hold"/>
-                                        <p:tgtEl>
-                                          <p:spTgt spid="3">
-                                            <p:txEl>
-                                              <p:pRg st="0" end="0"/>
-                                            </p:txEl>
-                                          </p:spTgt>
-                                        </p:tgtEl>
-                                        <p:attrNameLst>
-                                          <p:attrName>ppt_x</p:attrName>
-                                        </p:attrNameLst>
-                                      </p:cBhvr>
-                                      <p:tavLst>
-                                        <p:tav tm="0">
-                                          <p:val>
-                                            <p:strVal val="#ppt_x"/>
-                                          </p:val>
-                                        </p:tav>
-                                        <p:tav tm="100000">
-                                          <p:val>
-                                            <p:strVal val="#ppt_x"/>
-                                          </p:val>
-                                        </p:tav>
-                                      </p:tavLst>
-                                    </p:anim>
-                                    <p:anim calcmode="lin" valueType="num">
-                                      <p:cBhvr>
-                                        <p:cTn id="9" dur="1000" fill="hold"/>
-                                        <p:tgtEl>
-                                          <p:spTgt spid="3">
-                                            <p:txEl>
-                                              <p:pRg st="0" end="0"/>
-                                            </p:txEl>
-                                          </p:spTgt>
-                                        </p:tgtEl>
-                                        <p:attrNameLst>
-                                          <p:attrName>ppt_y</p:attrName>
-                                        </p:attrNameLst>
-                                      </p:cBhvr>
-                                      <p:tavLst>
-                                        <p:tav tm="0">
-                                          <p:val>
-                                            <p:strVal val="#ppt_y+.1"/>
-                                          </p:val>
-                                        </p:tav>
-                                        <p:tav tm="100000">
-                                          <p:val>
-                                            <p:strVal val="#ppt_y"/>
-                                          </p:val>
-                                        </p:tav>
-                                      </p:tavLst>
-                                    </p:anim>
-                                  </p:childTnLst>
-                                </p:cTn>
-                              </p:par>
-                              <p:par>
-                                <p:cTn id="10" presetID="42" presetClass="entr" presetSubtype="0" fill="hold" grpId="0" nodeType="withEffect">
-                                  <p:stCondLst>
-                                    <p:cond delay="0"/>
-                                  </p:stCondLst>
-                                  <p:childTnLst>
-                                    <p:set>
-                                      <p:cBhvr>
-                                        <p:cTn id="11" dur="1" fill="hold">
-                                          <p:stCondLst>
-                                            <p:cond delay="0"/>
-                                          </p:stCondLst>
-                                        </p:cTn>
-                                        <p:tgtEl>
-                                          <p:spTgt spid="3">
-                                            <p:txEl>
-                                              <p:pRg st="1" end="1"/>
-                                            </p:txEl>
-                                          </p:spTgt>
-                                        </p:tgtEl>
-                                        <p:attrNameLst>
-                                          <p:attrName>style.visibility</p:attrName>
-                                        </p:attrNameLst>
-                                      </p:cBhvr>
-                                      <p:to>
-                                        <p:strVal val="visible"/>
-                                      </p:to>
-                                    </p:set>
-                                    <p:animEffect transition="in" filter="fade">
-                                      <p:cBhvr>
-                                        <p:cTn id="12" dur="1000"/>
-                                        <p:tgtEl>
-                                          <p:spTgt spid="3">
-                                            <p:txEl>
-                                              <p:pRg st="1" end="1"/>
-                                            </p:txEl>
-                                          </p:spTgt>
-                                        </p:tgtEl>
-                                      </p:cBhvr>
-                                    </p:animEffect>
-                                    <p:anim calcmode="lin" valueType="num">
-                                      <p:cBhvr>
-                                        <p:cTn id="13" dur="1000" fill="hold"/>
-                                        <p:tgtEl>
-                                          <p:spTgt spid="3">
-                                            <p:txEl>
-                                              <p:pRg st="1" end="1"/>
-                                            </p:txEl>
-                                          </p:spTgt>
-                                        </p:tgtEl>
-                                        <p:attrNameLst>
-                                          <p:attrName>ppt_x</p:attrName>
-                                        </p:attrNameLst>
-                                      </p:cBhvr>
-                                      <p:tavLst>
-                                        <p:tav tm="0">
-                                          <p:val>
-                                            <p:strVal val="#ppt_x"/>
-                                          </p:val>
-                                        </p:tav>
-                                        <p:tav tm="100000">
-                                          <p:val>
-                                            <p:strVal val="#ppt_x"/>
-                                          </p:val>
-                                        </p:tav>
-                                      </p:tavLst>
-                                    </p:anim>
-                                    <p:anim calcmode="lin" valueType="num">
-                                      <p:cBhvr>
-                                        <p:cTn id="14" dur="1000" fill="hold"/>
-                                        <p:tgtEl>
-                                          <p:spTgt spid="3">
-                                            <p:txEl>
-                                              <p:pRg st="1" end="1"/>
-                                            </p:txEl>
-                                          </p:spTgt>
-                                        </p:tgtEl>
-                                        <p:attrNameLst>
-                                          <p:attrName>ppt_y</p:attrName>
-                                        </p:attrNameLst>
-                                      </p:cBhvr>
-                                      <p:tavLst>
-                                        <p:tav tm="0">
-                                          <p:val>
-                                            <p:strVal val="#ppt_y+.1"/>
-                                          </p:val>
-                                        </p:tav>
-                                        <p:tav tm="100000">
-                                          <p:val>
-                                            <p:strVal val="#ppt_y"/>
-                                          </p:val>
-                                        </p:tav>
-                                      </p:tavLst>
-                                    </p:anim>
-                                  </p:childTnLst>
-                                </p:cTn>
-                              </p:par>
-                              <p:par>
-                                <p:cTn id="15" presetID="42" presetClass="entr" presetSubtype="0" fill="hold" grpId="0" nodeType="withEffect">
-                                  <p:stCondLst>
-                                    <p:cond delay="0"/>
-                                  </p:stCondLst>
-                                  <p:childTnLst>
-                                    <p:set>
-                                      <p:cBhvr>
-                                        <p:cTn id="16" dur="1" fill="hold">
-                                          <p:stCondLst>
-                                            <p:cond delay="0"/>
-                                          </p:stCondLst>
-                                        </p:cTn>
-                                        <p:tgtEl>
-                                          <p:spTgt spid="3">
-                                            <p:txEl>
-                                              <p:pRg st="2" end="2"/>
-                                            </p:txEl>
-                                          </p:spTgt>
-                                        </p:tgtEl>
-                                        <p:attrNameLst>
-                                          <p:attrName>style.visibility</p:attrName>
-                                        </p:attrNameLst>
-                                      </p:cBhvr>
-                                      <p:to>
-                                        <p:strVal val="visible"/>
-                                      </p:to>
-                                    </p:set>
-                                    <p:animEffect transition="in" filter="fade">
-                                      <p:cBhvr>
-                                        <p:cTn id="17" dur="1000"/>
-                                        <p:tgtEl>
-                                          <p:spTgt spid="3">
-                                            <p:txEl>
-                                              <p:pRg st="2" end="2"/>
-                                            </p:txEl>
-                                          </p:spTgt>
-                                        </p:tgtEl>
-                                      </p:cBhvr>
-                                    </p:animEffect>
-                                    <p:anim calcmode="lin" valueType="num">
-                                      <p:cBhvr>
-                                        <p:cTn id="18" dur="1000" fill="hold"/>
-                                        <p:tgtEl>
-                                          <p:spTgt spid="3">
-                                            <p:txEl>
-                                              <p:pRg st="2" end="2"/>
-                                            </p:txEl>
-                                          </p:spTgt>
-                                        </p:tgtEl>
-                                        <p:attrNameLst>
-                                          <p:attrName>ppt_x</p:attrName>
-                                        </p:attrNameLst>
-                                      </p:cBhvr>
-                                      <p:tavLst>
-                                        <p:tav tm="0">
-                                          <p:val>
-                                            <p:strVal val="#ppt_x"/>
-                                          </p:val>
-                                        </p:tav>
-                                        <p:tav tm="100000">
-                                          <p:val>
-                                            <p:strVal val="#ppt_x"/>
-                                          </p:val>
-                                        </p:tav>
-                                      </p:tavLst>
-                                    </p:anim>
-                                    <p:anim calcmode="lin" valueType="num">
-                                      <p:cBhvr>
-                                        <p:cTn id="19" dur="1000" fill="hold"/>
-                                        <p:tgtEl>
-                                          <p:spTgt spid="3">
-                                            <p:txEl>
-                                              <p:pRg st="2" end="2"/>
-                                            </p:txEl>
-                                          </p:spTgt>
-                                        </p:tgtEl>
-                                        <p:attrNameLst>
-                                          <p:attrName>ppt_y</p:attrName>
-                                        </p:attrNameLst>
-                                      </p:cBhvr>
-                                      <p:tavLst>
-                                        <p:tav tm="0">
-                                          <p:val>
-                                            <p:strVal val="#ppt_y+.1"/>
-                                          </p:val>
-                                        </p:tav>
-                                        <p:tav tm="100000">
-                                          <p:val>
-                                            <p:strVal val="#ppt_y"/>
-                                          </p:val>
-                                        </p:tav>
-                                      </p:tavLst>
-                                    </p:anim>
-                                  </p:childTnLst>
-                                </p:cTn>
-                              </p:par>
-                            </p:childTnLst>
-                          </p:cTn>
-                        </p:par>
-                      </p:childTnLst>
-                    </p:cTn>
-                  </p:par>
-                </p:childTnLst>
-              </p:cTn>
-              <p:prevCondLst>
-                <p:cond evt="onPrev" delay="0">
-                  <p:tgtEl>
-                    <p:sldTgt/>
-                  </p:tgtEl>
-                </p:cond>
-              </p:prevCondLst>
-              <p:nextCondLst>
-                <p:cond evt="onNext" delay="0">
-                  <p:tgtEl>
-                    <p:sldTgt/>
-                  </p:tgtEl>
-                </p:cond>
-              </p:nextCondLst>
-            </p:seq>
-          </p:childTnLst>
-        </p:cTn>
-      </p:par>
-    </p:tnLst>
-    <p:bldLst>
-      <p:bldP spid="3" grpId="0" uiExpand="1" build="p"/>
-    </p:bldLst>
-  </p:timing>
-</p:sld>
-</file>
-
-<file path=ppt/slides/slide11.xml><?xml version="1.0" encoding="utf-8"?>
-<p:sld xmlns:a="http://schemas.openxmlformats.org/drawingml/2006/main" xmlns:r="http://schemas.openxmlformats.org/officeDocument/2006/relationships" xmlns:p="http://schemas.openxmlformats.org/presentationml/2006/main">
-  <p:cSld>
-    <p:spTree>
-      <p:nvGrpSpPr>
-        <p:cNvPr id="1" name=""/>
-        <p:cNvGrpSpPr/>
-        <p:nvPr/>
-      </p:nvGrpSpPr>
-      <p:grpSpPr>
-        <a:xfrm>
-          <a:off x="0" y="0"/>
-          <a:ext cx="0" cy="0"/>
-          <a:chOff x="0" y="0"/>
-          <a:chExt cx="0" cy="0"/>
-        </a:xfrm>
-      </p:grpSpPr>
-      <p:sp>
-        <p:nvSpPr>
-          <p:cNvPr id="2" name="标题 1"/>
-          <p:cNvSpPr>
-            <a:spLocks noGrp="1"/>
-          </p:cNvSpPr>
-          <p:nvPr>
-            <p:ph type="title"/>
-          </p:nvPr>
-        </p:nvSpPr>
-        <p:spPr/>
-        <p:txBody>
-          <a:bodyPr/>
-          <a:lstStyle/>
-          <a:p>
-            <a:r>
-              <a:rPr lang="en-US" altLang="zh-CN">
-                <a:latin typeface="Times New Roman" panose="02020603050405020304" pitchFamily="18" charset="0"/>
-                <a:cs typeface="Times New Roman" panose="02020603050405020304" pitchFamily="18" charset="0"/>
-              </a:rPr>
-              <a:t>AcWing 175</a:t>
-            </a:r>
-            <a:r>
-              <a:rPr lang="zh-CN" altLang="en-US">
-                <a:latin typeface="Times New Roman" panose="02020603050405020304" pitchFamily="18" charset="0"/>
-                <a:cs typeface="Times New Roman" panose="02020603050405020304" pitchFamily="18" charset="0"/>
-              </a:rPr>
-              <a:t>电路维修</a:t>
-            </a:r>
-            <a:endParaRPr lang="en-US" altLang="zh-CN" dirty="0">
-              <a:latin typeface="Times New Roman" panose="02020603050405020304" pitchFamily="18" charset="0"/>
-              <a:cs typeface="Times New Roman" panose="02020603050405020304" pitchFamily="18" charset="0"/>
-            </a:endParaRPr>
-          </a:p>
-        </p:txBody>
-      </p:sp>
-      <p:sp>
-        <p:nvSpPr>
-          <p:cNvPr id="3" name="内容占位符 2"/>
-          <p:cNvSpPr>
-            <a:spLocks noGrp="1"/>
-          </p:cNvSpPr>
-          <p:nvPr>
-            <p:ph sz="quarter" idx="1"/>
-          </p:nvPr>
-        </p:nvSpPr>
-        <p:spPr>
-          <a:xfrm>
-            <a:off x="729672" y="1450110"/>
-            <a:ext cx="10972800" cy="4937760"/>
-          </a:xfrm>
-        </p:spPr>
-        <p:txBody>
-          <a:bodyPr>
-            <a:normAutofit/>
-          </a:bodyPr>
-          <a:lstStyle/>
-          <a:p>
-            <a:pPr marL="0" indent="0">
-              <a:buNone/>
-            </a:pPr>
-            <a:r>
-              <a:rPr lang="zh-CN" altLang="en-US" sz="2400">
-                <a:latin typeface="Consolas" panose="020B0609020204030204" pitchFamily="49" charset="0"/>
-              </a:rPr>
-              <a:t>电路板的整体结构是一个</a:t>
-            </a:r>
-            <a:r>
-              <a:rPr lang="en-US" altLang="zh-CN" sz="2400">
-                <a:latin typeface="Consolas" panose="020B0609020204030204" pitchFamily="49" charset="0"/>
-              </a:rPr>
-              <a:t>R</a:t>
-            </a:r>
-            <a:r>
-              <a:rPr lang="zh-CN" altLang="en-US" sz="2400">
-                <a:latin typeface="Consolas" panose="020B0609020204030204" pitchFamily="49" charset="0"/>
-              </a:rPr>
-              <a:t>行</a:t>
-            </a:r>
-            <a:r>
-              <a:rPr lang="en-US" altLang="zh-CN" sz="2400">
-                <a:latin typeface="Consolas" panose="020B0609020204030204" pitchFamily="49" charset="0"/>
-              </a:rPr>
-              <a:t>C</a:t>
-            </a:r>
-            <a:r>
-              <a:rPr lang="zh-CN" altLang="en-US" sz="2400">
-                <a:latin typeface="Consolas" panose="020B0609020204030204" pitchFamily="49" charset="0"/>
-              </a:rPr>
-              <a:t>列的网格</a:t>
-            </a:r>
-            <a:r>
-              <a:rPr lang="en-US" altLang="zh-CN" sz="2400">
-                <a:latin typeface="Consolas" panose="020B0609020204030204" pitchFamily="49" charset="0"/>
-              </a:rPr>
-              <a:t>(R,C≤500)</a:t>
-            </a:r>
-            <a:r>
-              <a:rPr lang="zh-CN" altLang="en-US" sz="2400">
-                <a:latin typeface="Consolas" panose="020B0609020204030204" pitchFamily="49" charset="0"/>
-              </a:rPr>
-              <a:t>，如图所示。</a:t>
-            </a:r>
-            <a:endParaRPr lang="en-US" altLang="zh-CN" sz="2400">
-              <a:latin typeface="Consolas" panose="020B0609020204030204" pitchFamily="49" charset="0"/>
-            </a:endParaRPr>
-          </a:p>
-          <a:p>
-            <a:pPr marL="0" indent="0">
-              <a:buNone/>
-            </a:pPr>
-            <a:r>
-              <a:rPr lang="zh-CN" altLang="en-US" sz="2400">
-                <a:latin typeface="Consolas" panose="020B0609020204030204" pitchFamily="49" charset="0"/>
-              </a:rPr>
-              <a:t>每个格点都是电线的接点，每个格子都包含一个电子元件。电子元件的主要部分是一个可旋转的、连接一条对角线上的两个接点的短电缆。在旋转之后，它就可以连接另一条对角线的两个接点。电路板左上角的接点接入直流电源，右下角的接点接入飞行车的发动装置。</a:t>
-            </a:r>
-          </a:p>
-          <a:p>
-            <a:pPr marL="0" indent="0">
-              <a:buNone/>
-            </a:pPr>
-            <a:r>
-              <a:rPr lang="zh-CN" altLang="en-US" sz="2400">
-                <a:latin typeface="Consolas" panose="020B0609020204030204" pitchFamily="49" charset="0"/>
-              </a:rPr>
-              <a:t>求旋转最少数量的元件，使电源与发动装置相连。</a:t>
-            </a:r>
-          </a:p>
-          <a:p>
-            <a:pPr marL="0" indent="0">
-              <a:buNone/>
-            </a:pPr>
-            <a:endParaRPr lang="zh-CN" altLang="en-US" sz="2400">
-              <a:latin typeface="Consolas" panose="020B0609020204030204" pitchFamily="49" charset="0"/>
-            </a:endParaRPr>
-          </a:p>
-          <a:p>
-            <a:pPr marL="0" indent="0">
-              <a:buNone/>
-            </a:pPr>
-            <a:endParaRPr lang="zh-CN" altLang="en-US" sz="2400" dirty="0">
-              <a:latin typeface="Consolas" panose="020B0609020204030204" pitchFamily="49" charset="0"/>
-            </a:endParaRPr>
-          </a:p>
-        </p:txBody>
-      </p:sp>
-      <p:pic>
-        <p:nvPicPr>
-          <p:cNvPr id="10" name="图片 9">
-            <a:extLst>
-              <a:ext uri="{FF2B5EF4-FFF2-40B4-BE49-F238E27FC236}">
-                <a16:creationId xmlns:a16="http://schemas.microsoft.com/office/drawing/2014/main" id="{CCD072F6-002A-BA62-D101-F1E72909BBFF}"/>
-              </a:ext>
-            </a:extLst>
-          </p:cNvPr>
-          <p:cNvPicPr>
-            <a:picLocks noChangeAspect="1"/>
-          </p:cNvPicPr>
-          <p:nvPr/>
-        </p:nvPicPr>
-        <p:blipFill>
-          <a:blip r:embed="rId2"/>
-          <a:stretch>
-            <a:fillRect/>
-          </a:stretch>
-        </p:blipFill>
-        <p:spPr>
-          <a:xfrm>
-            <a:off x="7229475" y="3918990"/>
-            <a:ext cx="3715616" cy="2423899"/>
-          </a:xfrm>
-          <a:prstGeom prst="rect">
-            <a:avLst/>
-          </a:prstGeom>
-        </p:spPr>
-      </p:pic>
-    </p:spTree>
-    <p:extLst>
-      <p:ext uri="{BB962C8B-B14F-4D97-AF65-F5344CB8AC3E}">
-        <p14:creationId xmlns:p14="http://schemas.microsoft.com/office/powerpoint/2010/main" val="676924280"/>
-      </p:ext>
-    </p:extLst>
-  </p:cSld>
-  <p:clrMapOvr>
-    <a:masterClrMapping/>
-  </p:clrMapOvr>
-  <p:timing>
-    <p:tnLst>
-      <p:par>
-        <p:cTn id="1" dur="indefinite" restart="never" nodeType="tmRoot">
-          <p:childTnLst>
-            <p:seq concurrent="1" nextAc="seek">
-              <p:cTn id="2" dur="indefinite" nodeType="mainSeq">
-                <p:childTnLst>
-                  <p:par>
-                    <p:cTn id="3" fill="hold">
-                      <p:stCondLst>
-                        <p:cond delay="indefinite"/>
-                      </p:stCondLst>
-                      <p:childTnLst>
-                        <p:par>
-                          <p:cTn id="4" fill="hold">
-                            <p:stCondLst>
-                              <p:cond delay="0"/>
-                            </p:stCondLst>
-                            <p:childTnLst>
-                              <p:par>
-                                <p:cTn id="5" presetID="42" presetClass="entr" presetSubtype="0" fill="hold" grpId="0" nodeType="clickEffect">
-                                  <p:stCondLst>
-                                    <p:cond delay="0"/>
-                                  </p:stCondLst>
-                                  <p:childTnLst>
-                                    <p:set>
-                                      <p:cBhvr>
-                                        <p:cTn id="6" dur="1" fill="hold">
-                                          <p:stCondLst>
-                                            <p:cond delay="0"/>
-                                          </p:stCondLst>
-                                        </p:cTn>
-                                        <p:tgtEl>
-                                          <p:spTgt spid="3">
-                                            <p:txEl>
-                                              <p:pRg st="0" end="0"/>
-                                            </p:txEl>
-                                          </p:spTgt>
-                                        </p:tgtEl>
-                                        <p:attrNameLst>
-                                          <p:attrName>style.visibility</p:attrName>
-                                        </p:attrNameLst>
-                                      </p:cBhvr>
-                                      <p:to>
-                                        <p:strVal val="visible"/>
-                                      </p:to>
-                                    </p:set>
-                                    <p:animEffect transition="in" filter="fade">
-                                      <p:cBhvr>
-                                        <p:cTn id="7" dur="1000"/>
-                                        <p:tgtEl>
-                                          <p:spTgt spid="3">
-                                            <p:txEl>
-                                              <p:pRg st="0" end="0"/>
-                                            </p:txEl>
-                                          </p:spTgt>
-                                        </p:tgtEl>
-                                      </p:cBhvr>
-                                    </p:animEffect>
-                                    <p:anim calcmode="lin" valueType="num">
-                                      <p:cBhvr>
-                                        <p:cTn id="8" dur="1000" fill="hold"/>
-                                        <p:tgtEl>
-                                          <p:spTgt spid="3">
-                                            <p:txEl>
-                                              <p:pRg st="0" end="0"/>
-                                            </p:txEl>
-                                          </p:spTgt>
-                                        </p:tgtEl>
-                                        <p:attrNameLst>
-                                          <p:attrName>ppt_x</p:attrName>
-                                        </p:attrNameLst>
-                                      </p:cBhvr>
-                                      <p:tavLst>
-                                        <p:tav tm="0">
-                                          <p:val>
-                                            <p:strVal val="#ppt_x"/>
-                                          </p:val>
-                                        </p:tav>
-                                        <p:tav tm="100000">
-                                          <p:val>
-                                            <p:strVal val="#ppt_x"/>
-                                          </p:val>
-                                        </p:tav>
-                                      </p:tavLst>
-                                    </p:anim>
-                                    <p:anim calcmode="lin" valueType="num">
-                                      <p:cBhvr>
-                                        <p:cTn id="9" dur="1000" fill="hold"/>
-                                        <p:tgtEl>
-                                          <p:spTgt spid="3">
-                                            <p:txEl>
-                                              <p:pRg st="0" end="0"/>
-                                            </p:txEl>
-                                          </p:spTgt>
-                                        </p:tgtEl>
-                                        <p:attrNameLst>
-                                          <p:attrName>ppt_y</p:attrName>
-                                        </p:attrNameLst>
-                                      </p:cBhvr>
-                                      <p:tavLst>
-                                        <p:tav tm="0">
-                                          <p:val>
-                                            <p:strVal val="#ppt_y+.1"/>
-                                          </p:val>
-                                        </p:tav>
-                                        <p:tav tm="100000">
-                                          <p:val>
-                                            <p:strVal val="#ppt_y"/>
-                                          </p:val>
-                                        </p:tav>
-                                      </p:tavLst>
-                                    </p:anim>
-                                  </p:childTnLst>
-                                </p:cTn>
-                              </p:par>
-                              <p:par>
-                                <p:cTn id="10" presetID="42" presetClass="entr" presetSubtype="0" fill="hold" grpId="0" nodeType="withEffect">
-                                  <p:stCondLst>
-                                    <p:cond delay="0"/>
-                                  </p:stCondLst>
-                                  <p:childTnLst>
-                                    <p:set>
-                                      <p:cBhvr>
-                                        <p:cTn id="11" dur="1" fill="hold">
-                                          <p:stCondLst>
-                                            <p:cond delay="0"/>
-                                          </p:stCondLst>
-                                        </p:cTn>
-                                        <p:tgtEl>
-                                          <p:spTgt spid="3">
-                                            <p:txEl>
-                                              <p:pRg st="1" end="1"/>
-                                            </p:txEl>
-                                          </p:spTgt>
-                                        </p:tgtEl>
-                                        <p:attrNameLst>
-                                          <p:attrName>style.visibility</p:attrName>
-                                        </p:attrNameLst>
-                                      </p:cBhvr>
-                                      <p:to>
-                                        <p:strVal val="visible"/>
-                                      </p:to>
-                                    </p:set>
-                                    <p:animEffect transition="in" filter="fade">
-                                      <p:cBhvr>
-                                        <p:cTn id="12" dur="1000"/>
-                                        <p:tgtEl>
-                                          <p:spTgt spid="3">
-                                            <p:txEl>
-                                              <p:pRg st="1" end="1"/>
-                                            </p:txEl>
-                                          </p:spTgt>
-                                        </p:tgtEl>
-                                      </p:cBhvr>
-                                    </p:animEffect>
-                                    <p:anim calcmode="lin" valueType="num">
-                                      <p:cBhvr>
-                                        <p:cTn id="13" dur="1000" fill="hold"/>
-                                        <p:tgtEl>
-                                          <p:spTgt spid="3">
-                                            <p:txEl>
-                                              <p:pRg st="1" end="1"/>
-                                            </p:txEl>
-                                          </p:spTgt>
-                                        </p:tgtEl>
-                                        <p:attrNameLst>
-                                          <p:attrName>ppt_x</p:attrName>
-                                        </p:attrNameLst>
-                                      </p:cBhvr>
-                                      <p:tavLst>
-                                        <p:tav tm="0">
-                                          <p:val>
-                                            <p:strVal val="#ppt_x"/>
-                                          </p:val>
-                                        </p:tav>
-                                        <p:tav tm="100000">
-                                          <p:val>
-                                            <p:strVal val="#ppt_x"/>
-                                          </p:val>
-                                        </p:tav>
-                                      </p:tavLst>
-                                    </p:anim>
-                                    <p:anim calcmode="lin" valueType="num">
-                                      <p:cBhvr>
-                                        <p:cTn id="14" dur="1000" fill="hold"/>
-                                        <p:tgtEl>
-                                          <p:spTgt spid="3">
-                                            <p:txEl>
-                                              <p:pRg st="1" end="1"/>
-                                            </p:txEl>
-                                          </p:spTgt>
-                                        </p:tgtEl>
-                                        <p:attrNameLst>
-                                          <p:attrName>ppt_y</p:attrName>
-                                        </p:attrNameLst>
-                                      </p:cBhvr>
-                                      <p:tavLst>
-                                        <p:tav tm="0">
-                                          <p:val>
-                                            <p:strVal val="#ppt_y+.1"/>
-                                          </p:val>
-                                        </p:tav>
-                                        <p:tav tm="100000">
-                                          <p:val>
-                                            <p:strVal val="#ppt_y"/>
-                                          </p:val>
-                                        </p:tav>
-                                      </p:tavLst>
-                                    </p:anim>
-                                  </p:childTnLst>
-                                </p:cTn>
-                              </p:par>
-                              <p:par>
-                                <p:cTn id="15" presetID="42" presetClass="entr" presetSubtype="0" fill="hold" grpId="0" nodeType="withEffect">
-                                  <p:stCondLst>
-                                    <p:cond delay="0"/>
-                                  </p:stCondLst>
-                                  <p:childTnLst>
-                                    <p:set>
-                                      <p:cBhvr>
-                                        <p:cTn id="16" dur="1" fill="hold">
-                                          <p:stCondLst>
-                                            <p:cond delay="0"/>
-                                          </p:stCondLst>
-                                        </p:cTn>
-                                        <p:tgtEl>
-                                          <p:spTgt spid="3">
-                                            <p:txEl>
-                                              <p:pRg st="2" end="2"/>
-                                            </p:txEl>
-                                          </p:spTgt>
-                                        </p:tgtEl>
-                                        <p:attrNameLst>
-                                          <p:attrName>style.visibility</p:attrName>
-                                        </p:attrNameLst>
-                                      </p:cBhvr>
-                                      <p:to>
-                                        <p:strVal val="visible"/>
-                                      </p:to>
-                                    </p:set>
-                                    <p:animEffect transition="in" filter="fade">
-                                      <p:cBhvr>
-                                        <p:cTn id="17" dur="1000"/>
-                                        <p:tgtEl>
-                                          <p:spTgt spid="3">
-                                            <p:txEl>
-                                              <p:pRg st="2" end="2"/>
-                                            </p:txEl>
-                                          </p:spTgt>
-                                        </p:tgtEl>
-                                      </p:cBhvr>
-                                    </p:animEffect>
-                                    <p:anim calcmode="lin" valueType="num">
-                                      <p:cBhvr>
-                                        <p:cTn id="18" dur="1000" fill="hold"/>
-                                        <p:tgtEl>
-                                          <p:spTgt spid="3">
-                                            <p:txEl>
-                                              <p:pRg st="2" end="2"/>
-                                            </p:txEl>
-                                          </p:spTgt>
-                                        </p:tgtEl>
-                                        <p:attrNameLst>
-                                          <p:attrName>ppt_x</p:attrName>
-                                        </p:attrNameLst>
-                                      </p:cBhvr>
-                                      <p:tavLst>
-                                        <p:tav tm="0">
-                                          <p:val>
-                                            <p:strVal val="#ppt_x"/>
-                                          </p:val>
-                                        </p:tav>
-                                        <p:tav tm="100000">
-                                          <p:val>
-                                            <p:strVal val="#ppt_x"/>
-                                          </p:val>
-                                        </p:tav>
-                                      </p:tavLst>
-                                    </p:anim>
-                                    <p:anim calcmode="lin" valueType="num">
-                                      <p:cBhvr>
-                                        <p:cTn id="19" dur="1000" fill="hold"/>
-                                        <p:tgtEl>
-                                          <p:spTgt spid="3">
-                                            <p:txEl>
-                                              <p:pRg st="2" end="2"/>
-                                            </p:txEl>
-                                          </p:spTgt>
-                                        </p:tgtEl>
-                                        <p:attrNameLst>
-                                          <p:attrName>ppt_y</p:attrName>
-                                        </p:attrNameLst>
-                                      </p:cBhvr>
-                                      <p:tavLst>
-                                        <p:tav tm="0">
-                                          <p:val>
-                                            <p:strVal val="#ppt_y+.1"/>
-                                          </p:val>
-                                        </p:tav>
-                                        <p:tav tm="100000">
-                                          <p:val>
-                                            <p:strVal val="#ppt_y"/>
-                                          </p:val>
-                                        </p:tav>
-                                      </p:tavLst>
-                                    </p:anim>
-                                  </p:childTnLst>
-                                </p:cTn>
-                              </p:par>
-                              <p:par>
-                                <p:cTn id="20" presetID="42" presetClass="entr" presetSubtype="0" fill="hold" nodeType="withEffect">
-                                  <p:stCondLst>
-                                    <p:cond delay="0"/>
-                                  </p:stCondLst>
-                                  <p:childTnLst>
-                                    <p:set>
-                                      <p:cBhvr>
-                                        <p:cTn id="21" dur="1" fill="hold">
-                                          <p:stCondLst>
-                                            <p:cond delay="0"/>
-                                          </p:stCondLst>
-                                        </p:cTn>
-                                        <p:tgtEl>
-                                          <p:spTgt spid="10"/>
-                                        </p:tgtEl>
-                                        <p:attrNameLst>
-                                          <p:attrName>style.visibility</p:attrName>
-                                        </p:attrNameLst>
-                                      </p:cBhvr>
-                                      <p:to>
-                                        <p:strVal val="visible"/>
-                                      </p:to>
-                                    </p:set>
-                                    <p:animEffect transition="in" filter="fade">
-                                      <p:cBhvr>
-                                        <p:cTn id="22" dur="1000"/>
-                                        <p:tgtEl>
-                                          <p:spTgt spid="10"/>
-                                        </p:tgtEl>
-                                      </p:cBhvr>
-                                    </p:animEffect>
-                                    <p:anim calcmode="lin" valueType="num">
-                                      <p:cBhvr>
-                                        <p:cTn id="23" dur="1000" fill="hold"/>
-                                        <p:tgtEl>
-                                          <p:spTgt spid="10"/>
-                                        </p:tgtEl>
-                                        <p:attrNameLst>
-                                          <p:attrName>ppt_x</p:attrName>
-                                        </p:attrNameLst>
-                                      </p:cBhvr>
-                                      <p:tavLst>
-                                        <p:tav tm="0">
-                                          <p:val>
-                                            <p:strVal val="#ppt_x"/>
-                                          </p:val>
-                                        </p:tav>
-                                        <p:tav tm="100000">
-                                          <p:val>
-                                            <p:strVal val="#ppt_x"/>
-                                          </p:val>
-                                        </p:tav>
-                                      </p:tavLst>
-                                    </p:anim>
-                                    <p:anim calcmode="lin" valueType="num">
-                                      <p:cBhvr>
-                                        <p:cTn id="24" dur="1000" fill="hold"/>
-                                        <p:tgtEl>
-                                          <p:spTgt spid="10"/>
-                                        </p:tgtEl>
-                                        <p:attrNameLst>
-                                          <p:attrName>ppt_y</p:attrName>
-                                        </p:attrNameLst>
-                                      </p:cBhvr>
-                                      <p:tavLst>
-                                        <p:tav tm="0">
-                                          <p:val>
-                                            <p:strVal val="#ppt_y+.1"/>
-                                          </p:val>
-                                        </p:tav>
-                                        <p:tav tm="100000">
-                                          <p:val>
-                                            <p:strVal val="#ppt_y"/>
-                                          </p:val>
-                                        </p:tav>
-                                      </p:tavLst>
-                                    </p:anim>
-                                  </p:childTnLst>
-                                </p:cTn>
-                              </p:par>
-                            </p:childTnLst>
-                          </p:cTn>
-                        </p:par>
-                      </p:childTnLst>
-                    </p:cTn>
-                  </p:par>
-                </p:childTnLst>
-              </p:cTn>
-              <p:prevCondLst>
-                <p:cond evt="onPrev" delay="0">
-                  <p:tgtEl>
-                    <p:sldTgt/>
-                  </p:tgtEl>
-                </p:cond>
-              </p:prevCondLst>
-              <p:nextCondLst>
-                <p:cond evt="onNext" delay="0">
-                  <p:tgtEl>
-                    <p:sldTgt/>
-                  </p:tgtEl>
-                </p:cond>
-              </p:nextCondLst>
-            </p:seq>
-          </p:childTnLst>
-        </p:cTn>
-      </p:par>
-    </p:tnLst>
-    <p:bldLst>
-      <p:bldP spid="3" grpId="0" uiExpand="1" build="p"/>
-    </p:bldLst>
-  </p:timing>
-</p:sld>
-</file>
-
-<file path=ppt/slides/slide12.xml><?xml version="1.0" encoding="utf-8"?>
-<p:sld xmlns:a="http://schemas.openxmlformats.org/drawingml/2006/main" xmlns:r="http://schemas.openxmlformats.org/officeDocument/2006/relationships" xmlns:p="http://schemas.openxmlformats.org/presentationml/2006/main">
-  <p:cSld>
-    <p:spTree>
-      <p:nvGrpSpPr>
-        <p:cNvPr id="1" name=""/>
-        <p:cNvGrpSpPr/>
-        <p:nvPr/>
-      </p:nvGrpSpPr>
-      <p:grpSpPr>
-        <a:xfrm>
-          <a:off x="0" y="0"/>
-          <a:ext cx="0" cy="0"/>
-          <a:chOff x="0" y="0"/>
-          <a:chExt cx="0" cy="0"/>
-        </a:xfrm>
-      </p:grpSpPr>
-      <p:sp>
-        <p:nvSpPr>
-          <p:cNvPr id="2" name="标题 1"/>
-          <p:cNvSpPr>
-            <a:spLocks noGrp="1"/>
-          </p:cNvSpPr>
-          <p:nvPr>
-            <p:ph type="title"/>
-          </p:nvPr>
-        </p:nvSpPr>
-        <p:spPr/>
-        <p:txBody>
-          <a:bodyPr/>
-          <a:lstStyle/>
-          <a:p>
-            <a:r>
-              <a:rPr lang="en-US" altLang="zh-CN">
-                <a:latin typeface="Times New Roman" panose="02020603050405020304" pitchFamily="18" charset="0"/>
-                <a:cs typeface="Times New Roman" panose="02020603050405020304" pitchFamily="18" charset="0"/>
-              </a:rPr>
               <a:t>AcWing 175</a:t>
             </a:r>
             <a:r>
@@ -5913,7 +4812,7 @@
 </p:sld>
 </file>
 
-<file path=ppt/slides/slide13.xml><?xml version="1.0" encoding="utf-8"?>
+<file path=ppt/slides/slide11.xml><?xml version="1.0" encoding="utf-8"?>
 <p:sld xmlns:a="http://schemas.openxmlformats.org/drawingml/2006/main" xmlns:r="http://schemas.openxmlformats.org/officeDocument/2006/relationships" xmlns:p="http://schemas.openxmlformats.org/presentationml/2006/main">
   <p:cSld>
     <p:spTree>
@@ -6066,7 +4965,43 @@
               <a:rPr lang="zh-CN" altLang="en-US" sz="2400">
                 <a:latin typeface="Consolas" panose="020B0609020204030204" pitchFamily="49" charset="0"/>
               </a:rPr>
-              <a:t>在每个城市里边都有一个加油站，不同的加油站的单位油价不一样。</a:t>
+              <a:t>在每个城市里边都有一个加油站，不同的加油站的单位油价不一样，城市</a:t>
+            </a:r>
+            <a:r>
+              <a:rPr lang="en-US" altLang="zh-CN" sz="2400">
+                <a:latin typeface="Consolas" panose="020B0609020204030204" pitchFamily="49" charset="0"/>
+              </a:rPr>
+              <a:t>u</a:t>
+            </a:r>
+            <a:r>
+              <a:rPr lang="zh-CN" altLang="en-US" sz="2400">
+                <a:latin typeface="Consolas" panose="020B0609020204030204" pitchFamily="49" charset="0"/>
+              </a:rPr>
+              <a:t>，</a:t>
+            </a:r>
+            <a:r>
+              <a:rPr lang="en-US" altLang="zh-CN" sz="2400">
+                <a:latin typeface="Consolas" panose="020B0609020204030204" pitchFamily="49" charset="0"/>
+              </a:rPr>
+              <a:t>v</a:t>
+            </a:r>
+            <a:r>
+              <a:rPr lang="zh-CN" altLang="en-US" sz="2400">
+                <a:latin typeface="Consolas" panose="020B0609020204030204" pitchFamily="49" charset="0"/>
+              </a:rPr>
+              <a:t>之间存在道路，且需要消耗</a:t>
+            </a:r>
+            <a:r>
+              <a:rPr lang="en-US" altLang="zh-CN" sz="2400">
+                <a:latin typeface="Consolas" panose="020B0609020204030204" pitchFamily="49" charset="0"/>
+              </a:rPr>
+              <a:t>d</a:t>
+            </a:r>
+            <a:r>
+              <a:rPr lang="zh-CN" altLang="en-US" sz="2400">
+                <a:latin typeface="Consolas" panose="020B0609020204030204" pitchFamily="49" charset="0"/>
+              </a:rPr>
+              <a:t>的油量。</a:t>
             </a:r>
           </a:p>
           <a:p>
@@ -6902,7 +5837,7 @@
 </p:sld>
 </file>
 
-<file path=ppt/slides/slide14.xml><?xml version="1.0" encoding="utf-8"?>
+<file path=ppt/slides/slide12.xml><?xml version="1.0" encoding="utf-8"?>
 <p:sld xmlns:a="http://schemas.openxmlformats.org/drawingml/2006/main" xmlns:r="http://schemas.openxmlformats.org/officeDocument/2006/relationships" xmlns:p="http://schemas.openxmlformats.org/presentationml/2006/main">
   <p:cSld>
     <p:spTree>
@@ -7026,13 +5961,60 @@
               <a:rPr lang="zh-CN" altLang="en-US" sz="2400">
                 <a:latin typeface="Consolas" panose="020B0609020204030204" pitchFamily="49" charset="0"/>
               </a:rPr>
-              <a:t>如果 </a:t>
+              <a:t>定义状态</a:t>
             </a:r>
             <a:r>
               <a:rPr lang="en-US" altLang="zh-CN" sz="2400">
                 <a:latin typeface="Consolas" panose="020B0609020204030204" pitchFamily="49" charset="0"/>
               </a:rPr>
-              <a:t>c+1≤c+1≤c</a:t>
+              <a:t>dis[u][c]</a:t>
+            </a:r>
+            <a:r>
+              <a:rPr lang="zh-CN" altLang="en-US" sz="2400">
+                <a:latin typeface="Consolas" panose="020B0609020204030204" pitchFamily="49" charset="0"/>
+              </a:rPr>
+              <a:t>为节点</a:t>
+            </a:r>
+            <a:r>
+              <a:rPr lang="en-US" altLang="zh-CN" sz="2400">
+                <a:latin typeface="Consolas" panose="020B0609020204030204" pitchFamily="49" charset="0"/>
+              </a:rPr>
+              <a:t>u</a:t>
+            </a:r>
+            <a:r>
+              <a:rPr lang="zh-CN" altLang="en-US" sz="2400">
+                <a:latin typeface="Consolas" panose="020B0609020204030204" pitchFamily="49" charset="0"/>
+              </a:rPr>
+              <a:t>在</a:t>
+            </a:r>
+            <a:r>
+              <a:rPr lang="en-US" altLang="zh-CN" sz="2400">
+                <a:latin typeface="Consolas" panose="020B0609020204030204" pitchFamily="49" charset="0"/>
+              </a:rPr>
+              <a:t>c</a:t>
+            </a:r>
+            <a:r>
+              <a:rPr lang="zh-CN" altLang="en-US" sz="2400">
+                <a:latin typeface="Consolas" panose="020B0609020204030204" pitchFamily="49" charset="0"/>
+              </a:rPr>
+              <a:t>升汽油时的最小花费</a:t>
+            </a:r>
+            <a:endParaRPr lang="en-US" altLang="zh-CN" sz="2400">
+              <a:latin typeface="Consolas" panose="020B0609020204030204" pitchFamily="49" charset="0"/>
+            </a:endParaRPr>
+          </a:p>
+          <a:p>
+            <a:r>
+              <a:rPr lang="zh-CN" altLang="en-US" sz="2400">
+                <a:latin typeface="Consolas" panose="020B0609020204030204" pitchFamily="49" charset="0"/>
+              </a:rPr>
+              <a:t>如果</a:t>
+            </a:r>
+            <a:r>
+              <a:rPr lang="en-US" altLang="zh-CN" sz="2400">
+                <a:latin typeface="Consolas" panose="020B0609020204030204" pitchFamily="49" charset="0"/>
+              </a:rPr>
+              <a:t>c+1≤C</a:t>
             </a:r>
             <a:r>
               <a:rPr lang="zh-CN" altLang="en-US" sz="2400">
@@ -7683,6 +6665,121 @@
                       </p:childTnLst>
                     </p:cTn>
                   </p:par>
+                  <p:par>
+                    <p:cTn id="38" fill="hold">
+                      <p:stCondLst>
+                        <p:cond delay="indefinite"/>
+                      </p:stCondLst>
+                      <p:childTnLst>
+                        <p:par>
+                          <p:cTn id="39" fill="hold">
+                            <p:stCondLst>
+                              <p:cond delay="0"/>
+                            </p:stCondLst>
+                            <p:childTnLst>
+                              <p:par>
+                                <p:cTn id="40" presetID="42" presetClass="entr" presetSubtype="0" fill="hold" nodeType="clickEffect">
+                                  <p:stCondLst>
+                                    <p:cond delay="0"/>
+                                  </p:stCondLst>
+                                  <p:childTnLst>
+                                    <p:set>
+                                      <p:cBhvr>
+                                        <p:cTn id="41" dur="1" fill="hold">
+                                          <p:stCondLst>
+                                            <p:cond delay="0"/>
+                                          </p:stCondLst>
+                                        </p:cTn>
+                                        <p:tgtEl>
+                                          <p:spTgt spid="3">
+                                            <p:txEl>
+                                              <p:pRg st="5" end="5"/>
+                                            </p:txEl>
+                                          </p:spTgt>
+                                        </p:tgtEl>
+                                        <p:attrNameLst>
+                                          <p:attrName>style.visibility</p:attrName>
+                                        </p:attrNameLst>
+                                      </p:cBhvr>
+                                      <p:to>
+                                        <p:strVal val="visible"/>
+                                      </p:to>
+                                    </p:set>
+                                    <p:animEffect transition="in" filter="fade">
+                                      <p:cBhvr>
+                                        <p:cTn id="42" dur="1000"/>
+                                        <p:tgtEl>
+                                          <p:spTgt spid="3">
+                                            <p:txEl>
+                                              <p:pRg st="5" end="5"/>
+                                            </p:txEl>
+                                          </p:spTgt>
+                                        </p:tgtEl>
+                                      </p:cBhvr>
+                                    </p:animEffect>
+                                    <p:anim calcmode="lin" valueType="num">
+                                      <p:cBhvr>
+                                        <p:cTn id="43" dur="1000" fill="hold"/>
+                                        <p:tgtEl>
+                                          <p:spTgt spid="3">
+                                            <p:txEl>
+                                              <p:pRg st="5" end="5"/>
+                                            </p:txEl>
+                                          </p:spTgt>
+                                        </p:tgtEl>
+                                        <p:attrNameLst>
+                                          <p:attrName>ppt_x</p:attrName>
+                                        </p:attrNameLst>
+                                      </p:cBhvr>
+                                      <p:tavLst>
+                                        <p:tav tm="0">
+                                          <p:val>
+                                            <p:strVal val="#ppt_x"/>
+                                          </p:val>
+                                        </p:tav>
+                                        <p:tav tm="100000">
+                                          <p:val>
+                                            <p:strVal val="#ppt_x"/>
+                                          </p:val>
+                                        </p:tav>
+                                      </p:tavLst>
+                                    </p:anim>
+                                    <p:anim calcmode="lin" valueType="num">
+                                      <p:cBhvr>
+                                        <p:cTn id="44" dur="1000" fill="hold"/>
+                                        <p:tgtEl>
+                                          <p:spTgt spid="3">
+                                            <p:txEl>
+                                              <p:pRg st="5" end="5"/>
+                                            </p:txEl>
+                                          </p:spTgt>
+                                        </p:tgtEl>
+                                        <p:attrNameLst>
+                                          <p:attrName>ppt_y</p:attrName>
+                                        </p:attrNameLst>
+                                      </p:cBhvr>
+                                      <p:tavLst>
+                                        <p:tav tm="0">
+                                          <p:val>
+                                            <p:strVal val="#ppt_y+.1"/>
+                                          </p:val>
+                                        </p:tav>
+                                        <p:tav tm="100000">
+                                          <p:val>
+                                            <p:strVal val="#ppt_y"/>
+                                          </p:val>
+                                        </p:tav>
+                                      </p:tavLst>
+                                    </p:anim>
+                                  </p:childTnLst>
+                                </p:cTn>
+                              </p:par>
+                            </p:childTnLst>
+                          </p:cTn>
+                        </p:par>
+                      </p:childTnLst>
+                    </p:cTn>
+                  </p:par>
                 </p:childTnLst>
               </p:cTn>
               <p:prevCondLst>
@@ -7708,7 +6805,7 @@
 </p:sld>
 </file>
 
-<file path=ppt/slides/slide15.xml><?xml version="1.0" encoding="utf-8"?>
+<file path=ppt/slides/slide13.xml><?xml version="1.0" encoding="utf-8"?>
 <p:sld xmlns:a="http://schemas.openxmlformats.org/drawingml/2006/main" xmlns:r="http://schemas.openxmlformats.org/officeDocument/2006/relationships" xmlns:p="http://schemas.openxmlformats.org/presentationml/2006/main">
   <p:cSld>
     <p:spTree>
@@ -8549,7 +7646,7 @@
 </p:sld>
 </file>
 
-<file path=ppt/slides/slide16.xml><?xml version="1.0" encoding="utf-8"?>
+<file path=ppt/slides/slide14.xml><?xml version="1.0" encoding="utf-8"?>
 <p:sld xmlns:a="http://schemas.openxmlformats.org/drawingml/2006/main" xmlns:r="http://schemas.openxmlformats.org/officeDocument/2006/relationships" xmlns:p="http://schemas.openxmlformats.org/presentationml/2006/main">
   <p:cSld>
     <p:spTree>
@@ -9394,7 +8491,7 @@
 </p:sld>
 </file>
 
-<file path=ppt/slides/slide17.xml><?xml version="1.0" encoding="utf-8"?>
+<file path=ppt/slides/slide15.xml><?xml version="1.0" encoding="utf-8"?>
 <p:sld xmlns:a="http://schemas.openxmlformats.org/drawingml/2006/main" xmlns:r="http://schemas.openxmlformats.org/officeDocument/2006/relationships" xmlns:p="http://schemas.openxmlformats.org/presentationml/2006/main">
   <p:cSld>
     <p:spTree>
@@ -11605,9 +10702,7 @@
         </p:nvSpPr>
         <p:spPr/>
         <p:txBody>
-          <a:bodyPr>
-            <a:normAutofit/>
-          </a:bodyPr>
+          <a:bodyPr/>
           <a:lstStyle/>
           <a:p>
             <a:r>
@@ -11616,11 +10711,11 @@
             </a:r>
             <a:r>
               <a:rPr lang="en-US" altLang="zh-CN"/>
-              <a:t>3956 [NOIP2017 </a:t>
+              <a:t>1514 [NOIP2010 </a:t>
             </a:r>
             <a:r>
               <a:rPr lang="zh-CN" altLang="en-US"/>
-              <a:t>普及组</a:t>
+              <a:t>提高组</a:t>
             </a:r>
             <a:r>
               <a:rPr lang="en-US" altLang="zh-CN"/>
@@ -11628,7 +10723,7 @@
             </a:r>
             <a:r>
               <a:rPr lang="zh-CN" altLang="en-US"/>
-              <a:t>棋盘</a:t>
+              <a:t>引水入城</a:t>
             </a:r>
             <a:endParaRPr lang="en-US" altLang="zh-CN" dirty="0">
               <a:latin typeface="Times New Roman" panose="02020603050405020304" pitchFamily="18" charset="0"/>
@@ -11649,83 +10744,166 @@
         </p:nvSpPr>
         <p:spPr/>
         <p:txBody>
-          <a:bodyPr/>
+          <a:bodyPr>
+            <a:normAutofit/>
+          </a:bodyPr>
           <a:lstStyle/>
           <a:p>
             <a:pPr marL="0" indent="0">
               <a:buNone/>
             </a:pPr>
             <a:r>
-              <a:rPr lang="zh-CN" altLang="en-US"/>
-              <a:t>一个 </a:t>
-            </a:r>
-            <a:r>
-              <a:rPr lang="en-US" altLang="zh-CN"/>
-              <a:t>m×m </a:t>
-            </a:r>
-            <a:r>
-              <a:rPr lang="zh-CN" altLang="en-US"/>
-              <a:t>的棋盘，每个格子上颜色为无色、红色或黄色，每次能往 上下左右四个方向移动一格，移动到同色格子不需要金币，异色格子需 要</a:t>
-            </a:r>
-            <a:r>
-              <a:rPr lang="en-US" altLang="zh-CN"/>
-              <a:t>1</a:t>
-            </a:r>
-            <a:r>
-              <a:rPr lang="zh-CN" altLang="en-US"/>
-              <a:t>金币，不能移动到无色格子，但可以用</a:t>
-            </a:r>
-            <a:r>
-              <a:rPr lang="en-US" altLang="zh-CN"/>
-              <a:t>2</a:t>
-            </a:r>
-            <a:r>
-              <a:rPr lang="zh-CN" altLang="en-US"/>
-              <a:t>金币将下一个无色格子的颜 色临时变成指定颜色，离开后格子又会变成无色，且魔法不能连续使 用。 </a:t>
-            </a:r>
-            <a:endParaRPr lang="en-US" altLang="zh-CN"/>
+              <a:rPr lang="zh-CN" altLang="en-US" sz="1800">
+                <a:latin typeface="+mn-ea"/>
+              </a:rPr>
+              <a:t>在一个遥远的国度，一侧是风景秀美的湖泊，另一侧则是漫无边际的沙漠。该国的行政区划十分特殊，刚好构成一个 𝑁行 𝑀列的矩形，如上图所示，其中每个格子都代表一座城市，每座城市都有一个海拔高度。</a:t>
+            </a:r>
+            <a:endParaRPr lang="en-US" altLang="zh-CN" sz="1800">
+              <a:latin typeface="+mn-ea"/>
+            </a:endParaRPr>
           </a:p>
           <a:p>
             <a:pPr marL="0" indent="0">
               <a:buNone/>
             </a:pPr>
             <a:r>
-              <a:rPr lang="zh-CN" altLang="en-US"/>
-              <a:t>问从左上角到右下角最少需要多少金币。</a:t>
-            </a:r>
-            <a:endParaRPr lang="en-US" altLang="zh-CN"/>
+              <a:rPr lang="zh-CN" altLang="en-US" sz="1800">
+                <a:latin typeface="+mn-ea"/>
+              </a:rPr>
+              <a:t>为了使居民们都尽可能饮用到清澈的湖水，现在要在某些城市建造水利设施。水利设施有两种，分别为蓄水厂和输水站。蓄水厂的功能是利用水泵将湖泊中的水抽取到所在城市的蓄水池中。</a:t>
+            </a:r>
+            <a:endParaRPr lang="en-US" altLang="zh-CN" sz="1800">
+              <a:latin typeface="+mn-ea"/>
+            </a:endParaRPr>
           </a:p>
           <a:p>
             <a:pPr marL="0" indent="0">
               <a:buNone/>
             </a:pPr>
             <a:r>
+              <a:rPr lang="zh-CN" altLang="en-US" sz="1800">
+                <a:latin typeface="+mn-ea"/>
+              </a:rPr>
+              <a:t>因此，只有与湖泊毗邻的第 </a:t>
+            </a:r>
+            <a:r>
+              <a:rPr lang="en-US" altLang="zh-CN" sz="1800">
+                <a:latin typeface="+mn-ea"/>
+              </a:rPr>
+              <a:t>11</a:t>
+            </a:r>
+            <a:r>
+              <a:rPr lang="zh-CN" altLang="en-US" sz="1800">
+                <a:latin typeface="+mn-ea"/>
+              </a:rPr>
+              <a:t> 行的城市可以建造蓄水厂。而输水站的功能则是通过输水管线利用高度落差，将湖水从高处向低处输送。故一座城市能建造输水站的前提，是存在比它海拔更高且拥有公共边的相邻城市，已经建有水利设施。由于第 𝑁</a:t>
+            </a:r>
+            <a:r>
+              <a:rPr lang="en-US" altLang="zh-CN" sz="1800" i="1">
+                <a:latin typeface="+mn-ea"/>
+              </a:rPr>
+              <a:t>N</a:t>
+            </a:r>
+            <a:r>
+              <a:rPr lang="zh-CN" altLang="en-US" sz="1800">
+                <a:latin typeface="+mn-ea"/>
+              </a:rPr>
+              <a:t> 行的城市靠近沙漠，是该国的干旱区，所以要求其中的每座城市都建有水利设施。那么，这个要求能否满足呢？如果能，请计算最少建造几个蓄水厂；如果不能，求干旱区中不可能建有水利设施的城市数目。</a:t>
+            </a:r>
+            <a:endParaRPr lang="zh-CN" altLang="en-US" sz="1800" dirty="0">
+              <a:latin typeface="+mn-ea"/>
+            </a:endParaRPr>
+          </a:p>
+        </p:txBody>
+      </p:sp>
+      <p:pic>
+        <p:nvPicPr>
+          <p:cNvPr id="5" name="图片 4">
+            <a:extLst>
+              <a:ext uri="{FF2B5EF4-FFF2-40B4-BE49-F238E27FC236}">
+                <a16:creationId xmlns:a16="http://schemas.microsoft.com/office/drawing/2014/main" id="{A398EE71-4F75-8A08-5A78-FE898A1AEB5E}"/>
+              </a:ext>
+            </a:extLst>
+          </p:cNvPr>
+          <p:cNvPicPr>
+            <a:picLocks noChangeAspect="1"/>
+          </p:cNvPicPr>
+          <p:nvPr/>
+        </p:nvPicPr>
+        <p:blipFill>
+          <a:blip r:embed="rId2"/>
+          <a:stretch>
+            <a:fillRect/>
+          </a:stretch>
+        </p:blipFill>
+        <p:spPr>
+          <a:xfrm>
+            <a:off x="609600" y="3890198"/>
+            <a:ext cx="3415290" cy="2342962"/>
+          </a:xfrm>
+          <a:prstGeom prst="rect">
+            <a:avLst/>
+          </a:prstGeom>
+        </p:spPr>
+      </p:pic>
+      <p:sp>
+        <p:nvSpPr>
+          <p:cNvPr id="6" name="文本框 5">
+            <a:extLst>
+              <a:ext uri="{FF2B5EF4-FFF2-40B4-BE49-F238E27FC236}">
+                <a16:creationId xmlns:a16="http://schemas.microsoft.com/office/drawing/2014/main" id="{51F2F159-79BE-ACE1-8D69-1EF1C65174FD}"/>
+              </a:ext>
+            </a:extLst>
+          </p:cNvPr>
+          <p:cNvSpPr txBox="1"/>
+          <p:nvPr/>
+        </p:nvSpPr>
+        <p:spPr>
+          <a:xfrm>
+            <a:off x="3825328" y="3964198"/>
+            <a:ext cx="3711545" cy="646331"/>
+          </a:xfrm>
+          <a:prstGeom prst="rect">
+            <a:avLst/>
+          </a:prstGeom>
+          <a:noFill/>
+        </p:spPr>
+        <p:txBody>
+          <a:bodyPr wrap="square" rtlCol="0">
+            <a:spAutoFit/>
+          </a:bodyPr>
+          <a:lstStyle/>
+          <a:p>
+            <a:r>
+              <a:rPr lang="zh-CN" altLang="en-US"/>
+              <a:t>数据范围：𝑁</a:t>
+            </a:r>
+            <a:r>
               <a:rPr lang="en-US" altLang="zh-CN"/>
-              <a:t>m≤100 </a:t>
-            </a:r>
-          </a:p>
-          <a:p>
-            <a:pPr marL="0" indent="0">
-              <a:buNone/>
-            </a:pPr>
+              <a:t>,</a:t>
+            </a:r>
             <a:r>
               <a:rPr lang="zh-CN" altLang="en-US"/>
-              <a:t>有颜色的格子数 ≤</a:t>
+              <a:t>𝑀</a:t>
             </a:r>
             <a:r>
               <a:rPr lang="en-US" altLang="zh-CN"/>
-              <a:t>1000 </a:t>
-            </a:r>
-            <a:endParaRPr lang="zh-CN" altLang="en-US" dirty="0">
-              <a:latin typeface="Consolas" panose="020B0609020204030204" pitchFamily="49" charset="0"/>
-            </a:endParaRPr>
+              <a:t>&lt;=500</a:t>
+            </a:r>
+          </a:p>
+          <a:p>
+            <a:r>
+              <a:rPr lang="zh-CN" altLang="en-US"/>
+              <a:t>请问如何快速抽象题意？</a:t>
+            </a:r>
+            <a:endParaRPr lang="en-US" altLang="zh-CN"/>
           </a:p>
         </p:txBody>
       </p:sp>
     </p:spTree>
     <p:extLst>
       <p:ext uri="{BB962C8B-B14F-4D97-AF65-F5344CB8AC3E}">
-        <p14:creationId xmlns:p14="http://schemas.microsoft.com/office/powerpoint/2010/main" val="1094730765"/>
+        <p14:creationId xmlns:p14="http://schemas.microsoft.com/office/powerpoint/2010/main" val="2281879319"/>
       </p:ext>
     </p:extLst>
   </p:cSld>
@@ -12044,7 +11222,7 @@
                                 </p:cTn>
                               </p:par>
                               <p:par>
-                                <p:cTn id="20" presetID="42" presetClass="entr" presetSubtype="0" fill="hold" grpId="0" nodeType="withEffect">
+                                <p:cTn id="20" presetID="42" presetClass="entr" presetSubtype="0" fill="hold" nodeType="withEffect">
                                   <p:stCondLst>
                                     <p:cond delay="0"/>
                                   </p:stCondLst>
@@ -12057,11 +11235,7 @@
                                           </p:stCondLst>
                                         </p:cTn>
                                         <p:tgtEl>
-                                          <p:spTgt spid="3">
-                                            <p:txEl>
-                                              <p:pRg st="3" end="3"/>
-                                            </p:txEl>
-                                          </p:spTgt>
+                                          <p:spTgt spid="5"/>
                                         </p:tgtEl>
                                         <p:attrNameLst>
                                           <p:attrName>style.visibility</p:attrName>
@@ -12075,11 +11249,7 @@
                                       <p:cBhvr>
                                         <p:cTn id="22" dur="1000"/>
                                         <p:tgtEl>
-                                          <p:spTgt spid="3">
-                                            <p:txEl>
-                                              <p:pRg st="3" end="3"/>
-                                            </p:txEl>
-                                          </p:spTgt>
+                                          <p:spTgt spid="5"/>
                                         </p:tgtEl>
                                       </p:cBhvr>
                                     </p:animEffect>
@@ -12087,11 +11257,7 @@
                                       <p:cBhvr>
                                         <p:cTn id="23" dur="1000" fill="hold"/>
                                         <p:tgtEl>
-                                          <p:spTgt spid="3">
-                                            <p:txEl>
-                                              <p:pRg st="3" end="3"/>
-                                            </p:txEl>
-                                          </p:spTgt>
+                                          <p:spTgt spid="5"/>
                                         </p:tgtEl>
                                         <p:attrNameLst>
                                           <p:attrName>ppt_x</p:attrName>
@@ -12114,11 +11280,88 @@
                                       <p:cBhvr>
                                         <p:cTn id="24" dur="1000" fill="hold"/>
                                         <p:tgtEl>
-                                          <p:spTgt spid="3">
-                                            <p:txEl>
-                                              <p:pRg st="3" end="3"/>
-                                            </p:txEl>
-                                          </p:spTgt>
+                                          <p:spTgt spid="5"/>
+                                        </p:tgtEl>
+                                        <p:attrNameLst>
+                                          <p:attrName>ppt_y</p:attrName>
+                                        </p:attrNameLst>
+                                      </p:cBhvr>
+                                      <p:tavLst>
+                                        <p:tav tm="0">
+                                          <p:val>
+                                            <p:strVal val="#ppt_y+.1"/>
+                                          </p:val>
+                                        </p:tav>
+                                        <p:tav tm="100000">
+                                          <p:val>
+                                            <p:strVal val="#ppt_y"/>
+                                          </p:val>
+                                        </p:tav>
+                                      </p:tavLst>
+                                    </p:anim>
+                                  </p:childTnLst>
+                                </p:cTn>
+                              </p:par>
+                              <p:par>
+                                <p:cTn id="25" presetID="42" presetClass="entr" presetSubtype="0" fill="hold" grpId="0" nodeType="withEffect">
+                                  <p:stCondLst>
+                                    <p:cond delay="0"/>
+                                  </p:stCondLst>
+                                  <p:childTnLst>
+                                    <p:set>
+                                      <p:cBhvr>
+                                        <p:cTn id="26" dur="1" fill="hold">
+                                          <p:stCondLst>
+                                            <p:cond delay="0"/>
+                                          </p:stCondLst>
+                                        </p:cTn>
+                                        <p:tgtEl>
+                                          <p:spTgt spid="6"/>
+                                        </p:tgtEl>
+                                        <p:attrNameLst>
+                                          <p:attrName>style.visibility</p:attrName>
+                                        </p:attrNameLst>
+                                      </p:cBhvr>
+                                      <p:to>
+                                        <p:strVal val="visible"/>
+                                      </p:to>
+                                    </p:set>
+                                    <p:animEffect transition="in" filter="fade">
+                                      <p:cBhvr>
+                                        <p:cTn id="27" dur="1000"/>
+                                        <p:tgtEl>
+                                          <p:spTgt spid="6"/>
+                                        </p:tgtEl>
+                                      </p:cBhvr>
+                                    </p:animEffect>
+                                    <p:anim calcmode="lin" valueType="num">
+                                      <p:cBhvr>
+                                        <p:cTn id="28" dur="1000" fill="hold"/>
+                                        <p:tgtEl>
+                                          <p:spTgt spid="6"/>
+                                        </p:tgtEl>
+                                        <p:attrNameLst>
+                                          <p:attrName>ppt_x</p:attrName>
+                                        </p:attrNameLst>
+                                      </p:cBhvr>
+                                      <p:tavLst>
+                                        <p:tav tm="0">
+                                          <p:val>
+                                            <p:strVal val="#ppt_x"/>
+                                          </p:val>
+                                        </p:tav>
+                                        <p:tav tm="100000">
+                                          <p:val>
+                                            <p:strVal val="#ppt_x"/>
+                                          </p:val>
+                                        </p:tav>
+                                      </p:tavLst>
+                                    </p:anim>
+                                    <p:anim calcmode="lin" valueType="num">
+                                      <p:cBhvr>
+                                        <p:cTn id="29" dur="1000" fill="hold"/>
+                                        <p:tgtEl>
+                                          <p:spTgt spid="6"/>
                                         </p:tgtEl>
                                         <p:attrNameLst>
                                           <p:attrName>ppt_y</p:attrName>
@@ -12168,7 +11411,8 @@
       </p:par>
     </p:tnLst>
     <p:bldLst>
-      <p:bldP spid="3" grpId="0" uiExpand="1" build="p"/>
+      <p:bldP spid="3" grpId="0" build="p"/>
+      <p:bldP spid="6" grpId="0"/>
     </p:bldLst>
   </p:timing>
 </p:sld>
@@ -12212,11 +11456,11 @@
             </a:r>
             <a:r>
               <a:rPr lang="en-US" altLang="zh-CN"/>
-              <a:t>3956 [NOIP2017 </a:t>
+              <a:t>1514 [NOIP2010 </a:t>
             </a:r>
             <a:r>
               <a:rPr lang="zh-CN" altLang="en-US"/>
-              <a:t>普及组</a:t>
+              <a:t>提高组</a:t>
             </a:r>
             <a:r>
               <a:rPr lang="en-US" altLang="zh-CN"/>
@@ -12224,7 +11468,7 @@
             </a:r>
             <a:r>
               <a:rPr lang="zh-CN" altLang="en-US"/>
-              <a:t>棋盘</a:t>
+              <a:t>引水入城</a:t>
             </a:r>
             <a:endParaRPr lang="en-US" altLang="zh-CN" dirty="0">
               <a:latin typeface="Times New Roman" panose="02020603050405020304" pitchFamily="18" charset="0"/>
@@ -12243,99 +11487,130 @@
             <p:ph sz="quarter" idx="1"/>
           </p:nvPr>
         </p:nvSpPr>
-        <p:spPr>
-          <a:xfrm>
-            <a:off x="609600" y="1184564"/>
-            <a:ext cx="10972800" cy="4937760"/>
-          </a:xfrm>
-        </p:spPr>
+        <p:spPr/>
         <p:txBody>
           <a:bodyPr/>
           <a:lstStyle/>
           <a:p>
-            <a:pPr marL="0" indent="0">
-              <a:buNone/>
-            </a:pPr>
-            <a:r>
-              <a:rPr lang="zh-CN" altLang="en-US"/>
-              <a:t>状态：所在的位置（</a:t>
-            </a:r>
-            <a:r>
-              <a:rPr lang="en-US" altLang="zh-CN"/>
-              <a:t>x,y</a:t>
-            </a:r>
-            <a:r>
-              <a:rPr lang="zh-CN" altLang="en-US"/>
-              <a:t>），是否使用魔法及变的颜色（</a:t>
-            </a:r>
-            <a:r>
-              <a:rPr lang="en-US" altLang="zh-CN"/>
-              <a:t>c</a:t>
-            </a:r>
-            <a:r>
-              <a:rPr lang="zh-CN" altLang="en-US"/>
-              <a:t>）。</a:t>
-            </a:r>
-            <a:endParaRPr lang="en-US" altLang="zh-CN"/>
-          </a:p>
-          <a:p>
-            <a:pPr marL="0" indent="0">
-              <a:buNone/>
-            </a:pPr>
-            <a:r>
-              <a:rPr lang="zh-CN" altLang="en-US"/>
-              <a:t>可以使用一个结构体保存状态，使用一个三维数组来记录每个状态是否 被到达。 </a:t>
-            </a:r>
-            <a:endParaRPr lang="en-US" altLang="zh-CN"/>
-          </a:p>
-          <a:p>
-            <a:pPr marL="0" indent="0">
-              <a:buNone/>
-            </a:pPr>
-            <a:r>
-              <a:rPr lang="zh-CN" altLang="en-US"/>
-              <a:t>与普通广搜不同的是，一步的消耗不为定值，所以一个状态可以被多次 访问，在遇到一个更优的方案时，需要将这个状态再次入队，可以再用 一个数组记录某个状态是否在队列中来防止重复入队。</a:t>
-            </a:r>
-            <a:endParaRPr lang="zh-CN" altLang="en-US" dirty="0">
+            <a:r>
+              <a:rPr lang="zh-CN" altLang="en-US">
+                <a:latin typeface="Consolas" panose="020B0609020204030204" pitchFamily="49" charset="0"/>
+              </a:rPr>
+              <a:t>思考如何判断是否能够满足要求？</a:t>
+            </a:r>
+            <a:endParaRPr lang="en-US" altLang="zh-CN">
               <a:latin typeface="Consolas" panose="020B0609020204030204" pitchFamily="49" charset="0"/>
             </a:endParaRPr>
           </a:p>
+          <a:p>
+            <a:r>
+              <a:rPr lang="zh-CN" altLang="en-US">
+                <a:latin typeface="Consolas" panose="020B0609020204030204" pitchFamily="49" charset="0"/>
+              </a:rPr>
+              <a:t>从最后一排的每个点倒着搜索，看看是否能够到达</a:t>
+            </a:r>
+            <a:endParaRPr lang="en-US" altLang="zh-CN">
+              <a:latin typeface="Consolas" panose="020B0609020204030204" pitchFamily="49" charset="0"/>
+            </a:endParaRPr>
+          </a:p>
+          <a:p>
+            <a:r>
+              <a:rPr lang="zh-CN" altLang="en-US">
+                <a:latin typeface="Consolas" panose="020B0609020204030204" pitchFamily="49" charset="0"/>
+              </a:rPr>
+              <a:t>如何计算最少建造几个蓄水厂？</a:t>
+            </a:r>
+            <a:endParaRPr lang="en-US" altLang="zh-CN">
+              <a:latin typeface="Consolas" panose="020B0609020204030204" pitchFamily="49" charset="0"/>
+            </a:endParaRPr>
+          </a:p>
+          <a:p>
+            <a:r>
+              <a:rPr lang="zh-CN" altLang="en-US">
+                <a:latin typeface="Consolas" panose="020B0609020204030204" pitchFamily="49" charset="0"/>
+              </a:rPr>
+              <a:t>性质：</a:t>
+            </a:r>
+            <a:r>
+              <a:rPr lang="zh-CN" altLang="en-US"/>
+              <a:t>如果有解，我们每个点覆盖的城市</a:t>
+            </a:r>
+            <a:r>
+              <a:rPr lang="en-US" altLang="zh-CN"/>
+              <a:t>(</a:t>
+            </a:r>
+            <a:r>
+              <a:rPr lang="zh-CN" altLang="en-US"/>
+              <a:t>线段</a:t>
+            </a:r>
+            <a:r>
+              <a:rPr lang="en-US" altLang="zh-CN"/>
+              <a:t>)</a:t>
+            </a:r>
+            <a:r>
+              <a:rPr lang="zh-CN" altLang="en-US"/>
+              <a:t>一定是连续的</a:t>
+            </a:r>
+            <a:r>
+              <a:rPr lang="en-US" altLang="zh-CN"/>
+              <a:t>(</a:t>
+            </a:r>
+            <a:r>
+              <a:rPr lang="zh-CN" altLang="en-US"/>
+              <a:t>思考为什么？</a:t>
+            </a:r>
+            <a:r>
+              <a:rPr lang="en-US" altLang="zh-CN"/>
+              <a:t>)</a:t>
+            </a:r>
+          </a:p>
+          <a:p>
+            <a:r>
+              <a:rPr lang="zh-CN" altLang="en-US">
+                <a:latin typeface="Consolas" panose="020B0609020204030204" pitchFamily="49" charset="0"/>
+              </a:rPr>
+              <a:t>因此，我们只需要求出</a:t>
+            </a:r>
+            <a:r>
+              <a:rPr lang="zh-CN" altLang="en-US"/>
+              <a:t>每个点能到达最左和最右的点</a:t>
+            </a:r>
+            <a:r>
+              <a:rPr lang="en-US" altLang="zh-CN"/>
+              <a:t>,</a:t>
+            </a:r>
+            <a:r>
+              <a:rPr lang="zh-CN" altLang="en-US"/>
+              <a:t>用</a:t>
+            </a:r>
+            <a:r>
+              <a:rPr lang="en-US" altLang="zh-CN"/>
+              <a:t>l[i][j],r[i][j]</a:t>
+            </a:r>
+            <a:r>
+              <a:rPr lang="zh-CN" altLang="en-US"/>
+              <a:t>分别表示该点能到达的最左和最右</a:t>
+            </a:r>
+            <a:endParaRPr lang="en-US" altLang="zh-CN"/>
+          </a:p>
+          <a:p>
+            <a:r>
+              <a:rPr lang="zh-CN" altLang="en-US"/>
+              <a:t>最后转化为经典的区间覆盖问题</a:t>
+            </a:r>
+            <a:endParaRPr lang="en-US" altLang="zh-CN"/>
+          </a:p>
+          <a:p>
+            <a:endParaRPr lang="en-US" altLang="zh-CN">
+              <a:latin typeface="Consolas" panose="020B0609020204030204" pitchFamily="49" charset="0"/>
+            </a:endParaRPr>
+          </a:p>
         </p:txBody>
       </p:sp>
-      <p:pic>
-        <p:nvPicPr>
-          <p:cNvPr id="5" name="图片 4">
-            <a:extLst>
-              <a:ext uri="{FF2B5EF4-FFF2-40B4-BE49-F238E27FC236}">
-                <a16:creationId xmlns:a16="http://schemas.microsoft.com/office/drawing/2014/main" id="{F344D0E4-0AC0-778A-26D5-13FDD3D46F63}"/>
-              </a:ext>
-            </a:extLst>
-          </p:cNvPr>
-          <p:cNvPicPr>
-            <a:picLocks noChangeAspect="1"/>
-          </p:cNvPicPr>
-          <p:nvPr/>
-        </p:nvPicPr>
-        <p:blipFill>
-          <a:blip r:embed="rId2"/>
-          <a:stretch>
-            <a:fillRect/>
-          </a:stretch>
-        </p:blipFill>
-        <p:spPr>
-          <a:xfrm>
-            <a:off x="609600" y="3961227"/>
-            <a:ext cx="5137150" cy="2202661"/>
-          </a:xfrm>
-          <a:prstGeom prst="rect">
-            <a:avLst/>
-          </a:prstGeom>
-        </p:spPr>
-      </p:pic>
     </p:spTree>
     <p:extLst>
       <p:ext uri="{BB962C8B-B14F-4D97-AF65-F5344CB8AC3E}">
-        <p14:creationId xmlns:p14="http://schemas.microsoft.com/office/powerpoint/2010/main" val="2989539006"/>
+        <p14:creationId xmlns:p14="http://schemas.microsoft.com/office/powerpoint/2010/main" val="1457035098"/>
       </p:ext>
     </p:extLst>
   </p:cSld>
@@ -12708,7 +11983,7 @@
                             </p:stCondLst>
                             <p:childTnLst>
                               <p:par>
-                                <p:cTn id="26" presetID="42" presetClass="entr" presetSubtype="0" fill="hold" nodeType="clickEffect">
+                                <p:cTn id="26" presetID="42" presetClass="entr" presetSubtype="0" fill="hold" grpId="0" nodeType="clickEffect">
                                   <p:stCondLst>
                                     <p:cond delay="0"/>
                                   </p:stCondLst>
@@ -12721,7 +11996,11 @@
                                           </p:stCondLst>
                                         </p:cTn>
                                         <p:tgtEl>
-                                          <p:spTgt spid="5"/>
+                                          <p:spTgt spid="3">
+                                            <p:txEl>
+                                              <p:pRg st="3" end="3"/>
+                                            </p:txEl>
+                                          </p:spTgt>
                                         </p:tgtEl>
                                         <p:attrNameLst>
                                           <p:attrName>style.visibility</p:attrName>
@@ -12735,7 +12014,11 @@
                                       <p:cBhvr>
                                         <p:cTn id="28" dur="1000"/>
                                         <p:tgtEl>
-                                          <p:spTgt spid="5"/>
+                                          <p:spTgt spid="3">
+                                            <p:txEl>
+                                              <p:pRg st="3" end="3"/>
+                                            </p:txEl>
+                                          </p:spTgt>
                                         </p:tgtEl>
                                       </p:cBhvr>
                                     </p:animEffect>
@@ -12743,7 +12026,11 @@
                                       <p:cBhvr>
                                         <p:cTn id="29" dur="1000" fill="hold"/>
                                         <p:tgtEl>
-                                          <p:spTgt spid="5"/>
+                                          <p:spTgt spid="3">
+                                            <p:txEl>
+                                              <p:pRg st="3" end="3"/>
+                                            </p:txEl>
+                                          </p:spTgt>
                                         </p:tgtEl>
                                         <p:attrNameLst>
                                           <p:attrName>ppt_x</p:attrName>
@@ -12766,7 +12053,241 @@
                                       <p:cBhvr>
                                         <p:cTn id="30" dur="1000" fill="hold"/>
                                         <p:tgtEl>
-                                          <p:spTgt spid="5"/>
+                                          <p:spTgt spid="3">
+                                            <p:txEl>
+                                              <p:pRg st="3" end="3"/>
+                                            </p:txEl>
+                                          </p:spTgt>
+                                        </p:tgtEl>
+                                        <p:attrNameLst>
+                                          <p:attrName>ppt_y</p:attrName>
+                                        </p:attrNameLst>
+                                      </p:cBhvr>
+                                      <p:tavLst>
+                                        <p:tav tm="0">
+                                          <p:val>
+                                            <p:strVal val="#ppt_y+.1"/>
+                                          </p:val>
+                                        </p:tav>
+                                        <p:tav tm="100000">
+                                          <p:val>
+                                            <p:strVal val="#ppt_y"/>
+                                          </p:val>
+                                        </p:tav>
+                                      </p:tavLst>
+                                    </p:anim>
+                                  </p:childTnLst>
+                                </p:cTn>
+                              </p:par>
+                            </p:childTnLst>
+                          </p:cTn>
+                        </p:par>
+                      </p:childTnLst>
+                    </p:cTn>
+                  </p:par>
+                  <p:par>
+                    <p:cTn id="31" fill="hold">
+                      <p:stCondLst>
+                        <p:cond delay="indefinite"/>
+                      </p:stCondLst>
+                      <p:childTnLst>
+                        <p:par>
+                          <p:cTn id="32" fill="hold">
+                            <p:stCondLst>
+                              <p:cond delay="0"/>
+                            </p:stCondLst>
+                            <p:childTnLst>
+                              <p:par>
+                                <p:cTn id="33" presetID="42" presetClass="entr" presetSubtype="0" fill="hold" grpId="0" nodeType="clickEffect">
+                                  <p:stCondLst>
+                                    <p:cond delay="0"/>
+                                  </p:stCondLst>
+                                  <p:childTnLst>
+                                    <p:set>
+                                      <p:cBhvr>
+                                        <p:cTn id="34" dur="1" fill="hold">
+                                          <p:stCondLst>
+                                            <p:cond delay="0"/>
+                                          </p:stCondLst>
+                                        </p:cTn>
+                                        <p:tgtEl>
+                                          <p:spTgt spid="3">
+                                            <p:txEl>
+                                              <p:pRg st="4" end="4"/>
+                                            </p:txEl>
+                                          </p:spTgt>
+                                        </p:tgtEl>
+                                        <p:attrNameLst>
+                                          <p:attrName>style.visibility</p:attrName>
+                                        </p:attrNameLst>
+                                      </p:cBhvr>
+                                      <p:to>
+                                        <p:strVal val="visible"/>
+                                      </p:to>
+                                    </p:set>
+                                    <p:animEffect transition="in" filter="fade">
+                                      <p:cBhvr>
+                                        <p:cTn id="35" dur="1000"/>
+                                        <p:tgtEl>
+                                          <p:spTgt spid="3">
+                                            <p:txEl>
+                                              <p:pRg st="4" end="4"/>
+                                            </p:txEl>
+                                          </p:spTgt>
+                                        </p:tgtEl>
+                                      </p:cBhvr>
+                                    </p:animEffect>
+                                    <p:anim calcmode="lin" valueType="num">
+                                      <p:cBhvr>
+                                        <p:cTn id="36" dur="1000" fill="hold"/>
+                                        <p:tgtEl>
+                                          <p:spTgt spid="3">
+                                            <p:txEl>
+                                              <p:pRg st="4" end="4"/>
+                                            </p:txEl>
+                                          </p:spTgt>
+                                        </p:tgtEl>
+                                        <p:attrNameLst>
+                                          <p:attrName>ppt_x</p:attrName>
+                                        </p:attrNameLst>
+                                      </p:cBhvr>
+                                      <p:tavLst>
+                                        <p:tav tm="0">
+                                          <p:val>
+                                            <p:strVal val="#ppt_x"/>
+                                          </p:val>
+                                        </p:tav>
+                                        <p:tav tm="100000">
+                                          <p:val>
+                                            <p:strVal val="#ppt_x"/>
+                                          </p:val>
+                                        </p:tav>
+                                      </p:tavLst>
+                                    </p:anim>
+                                    <p:anim calcmode="lin" valueType="num">
+                                      <p:cBhvr>
+                                        <p:cTn id="37" dur="1000" fill="hold"/>
+                                        <p:tgtEl>
+                                          <p:spTgt spid="3">
+                                            <p:txEl>
+                                              <p:pRg st="4" end="4"/>
+                                            </p:txEl>
+                                          </p:spTgt>
+                                        </p:tgtEl>
+                                        <p:attrNameLst>
+                                          <p:attrName>ppt_y</p:attrName>
+                                        </p:attrNameLst>
+                                      </p:cBhvr>
+                                      <p:tavLst>
+                                        <p:tav tm="0">
+                                          <p:val>
+                                            <p:strVal val="#ppt_y+.1"/>
+                                          </p:val>
+                                        </p:tav>
+                                        <p:tav tm="100000">
+                                          <p:val>
+                                            <p:strVal val="#ppt_y"/>
+                                          </p:val>
+                                        </p:tav>
+                                      </p:tavLst>
+                                    </p:anim>
+                                  </p:childTnLst>
+                                </p:cTn>
+                              </p:par>
+                            </p:childTnLst>
+                          </p:cTn>
+                        </p:par>
+                      </p:childTnLst>
+                    </p:cTn>
+                  </p:par>
+                  <p:par>
+                    <p:cTn id="38" fill="hold">
+                      <p:stCondLst>
+                        <p:cond delay="indefinite"/>
+                      </p:stCondLst>
+                      <p:childTnLst>
+                        <p:par>
+                          <p:cTn id="39" fill="hold">
+                            <p:stCondLst>
+                              <p:cond delay="0"/>
+                            </p:stCondLst>
+                            <p:childTnLst>
+                              <p:par>
+                                <p:cTn id="40" presetID="42" presetClass="entr" presetSubtype="0" fill="hold" grpId="0" nodeType="clickEffect">
+                                  <p:stCondLst>
+                                    <p:cond delay="0"/>
+                                  </p:stCondLst>
+                                  <p:childTnLst>
+                                    <p:set>
+                                      <p:cBhvr>
+                                        <p:cTn id="41" dur="1" fill="hold">
+                                          <p:stCondLst>
+                                            <p:cond delay="0"/>
+                                          </p:stCondLst>
+                                        </p:cTn>
+                                        <p:tgtEl>
+                                          <p:spTgt spid="3">
+                                            <p:txEl>
+                                              <p:pRg st="5" end="5"/>
+                                            </p:txEl>
+                                          </p:spTgt>
+                                        </p:tgtEl>
+                                        <p:attrNameLst>
+                                          <p:attrName>style.visibility</p:attrName>
+                                        </p:attrNameLst>
+                                      </p:cBhvr>
+                                      <p:to>
+                                        <p:strVal val="visible"/>
+                                      </p:to>
+                                    </p:set>
+                                    <p:animEffect transition="in" filter="fade">
+                                      <p:cBhvr>
+                                        <p:cTn id="42" dur="1000"/>
+                                        <p:tgtEl>
+                                          <p:spTgt spid="3">
+                                            <p:txEl>
+                                              <p:pRg st="5" end="5"/>
+                                            </p:txEl>
+                                          </p:spTgt>
+                                        </p:tgtEl>
+                                      </p:cBhvr>
+                                    </p:animEffect>
+                                    <p:anim calcmode="lin" valueType="num">
+                                      <p:cBhvr>
+                                        <p:cTn id="43" dur="1000" fill="hold"/>
+                                        <p:tgtEl>
+                                          <p:spTgt spid="3">
+                                            <p:txEl>
+                                              <p:pRg st="5" end="5"/>
+                                            </p:txEl>
+                                          </p:spTgt>
+                                        </p:tgtEl>
+                                        <p:attrNameLst>
+                                          <p:attrName>ppt_x</p:attrName>
+                                        </p:attrNameLst>
+                                      </p:cBhvr>
+                                      <p:tavLst>
+                                        <p:tav tm="0">
+                                          <p:val>
+                                            <p:strVal val="#ppt_x"/>
+                                          </p:val>
+                                        </p:tav>
+                                        <p:tav tm="100000">
+                                          <p:val>
+                                            <p:strVal val="#ppt_x"/>
+                                          </p:val>
+                                        </p:tav>
+                                      </p:tavLst>
+                                    </p:anim>
+                                    <p:anim calcmode="lin" valueType="num">
+                                      <p:cBhvr>
+                                        <p:cTn id="44" dur="1000" fill="hold"/>
+                                        <p:tgtEl>
+                                          <p:spTgt spid="3">
+                                            <p:txEl>
+                                              <p:pRg st="5" end="5"/>
+                                            </p:txEl>
+                                          </p:spTgt>
                                         </p:tgtEl>
                                         <p:attrNameLst>
                                           <p:attrName>ppt_y</p:attrName>
@@ -12855,24 +12376,18 @@
           <a:lstStyle/>
           <a:p>
             <a:r>
-              <a:rPr lang="zh-CN" altLang="en-US"/>
-              <a:t>洛谷</a:t>
-            </a:r>
-            <a:r>
-              <a:rPr lang="en-US" altLang="zh-CN"/>
-              <a:t>1514 [NOIP2010 </a:t>
-            </a:r>
-            <a:r>
-              <a:rPr lang="zh-CN" altLang="en-US"/>
-              <a:t>提高组</a:t>
-            </a:r>
-            <a:r>
-              <a:rPr lang="en-US" altLang="zh-CN"/>
-              <a:t>] </a:t>
-            </a:r>
-            <a:r>
-              <a:rPr lang="zh-CN" altLang="en-US"/>
-              <a:t>引水入城</a:t>
+              <a:rPr lang="en-US" altLang="zh-CN">
+                <a:latin typeface="Times New Roman" panose="02020603050405020304" pitchFamily="18" charset="0"/>
+                <a:cs typeface="Times New Roman" panose="02020603050405020304" pitchFamily="18" charset="0"/>
+              </a:rPr>
+              <a:t>BFS</a:t>
+            </a:r>
+            <a:r>
+              <a:rPr lang="zh-CN" altLang="en-US">
+                <a:latin typeface="Times New Roman" panose="02020603050405020304" pitchFamily="18" charset="0"/>
+                <a:cs typeface="Times New Roman" panose="02020603050405020304" pitchFamily="18" charset="0"/>
+              </a:rPr>
+              <a:t>变形</a:t>
             </a:r>
             <a:endParaRPr lang="en-US" altLang="zh-CN" dirty="0">
               <a:latin typeface="Times New Roman" panose="02020603050405020304" pitchFamily="18" charset="0"/>
@@ -12893,148 +12408,59 @@
         </p:nvSpPr>
         <p:spPr/>
         <p:txBody>
-          <a:bodyPr>
-            <a:normAutofit/>
-          </a:bodyPr>
+          <a:bodyPr/>
           <a:lstStyle/>
           <a:p>
-            <a:pPr marL="0" indent="0">
-              <a:buNone/>
-            </a:pPr>
-            <a:r>
-              <a:rPr lang="zh-CN" altLang="en-US" sz="1800"/>
-              <a:t>在一个遥远的国度，一侧是风景秀美的湖泊，另一侧则是漫无边际的沙漠。该国的行政区划十分特殊，刚好构成一个 𝑁行 𝑀列的矩形，如上图所示，其中每个格子都代表一座城市，每座城市都有一个海拔高度。</a:t>
-            </a:r>
-            <a:endParaRPr lang="en-US" altLang="zh-CN" sz="1800"/>
-          </a:p>
-          <a:p>
-            <a:pPr marL="0" indent="0">
-              <a:buNone/>
-            </a:pPr>
-            <a:r>
-              <a:rPr lang="zh-CN" altLang="en-US" sz="1800"/>
-              <a:t>为了使居民们都尽可能饮用到清澈的湖水，现在要在某些城市建造水利设施。水利设施有两种，分别为蓄水厂和输水站。蓄水厂的功能是利用水泵将湖泊中的水抽取到所在城市的蓄水池中。</a:t>
-            </a:r>
-            <a:endParaRPr lang="en-US" altLang="zh-CN" sz="1800"/>
-          </a:p>
-          <a:p>
-            <a:pPr marL="0" indent="0">
-              <a:buNone/>
-            </a:pPr>
-            <a:r>
-              <a:rPr lang="zh-CN" altLang="en-US" sz="1800"/>
-              <a:t>因此，只有与湖泊毗邻的第 </a:t>
-            </a:r>
-            <a:r>
-              <a:rPr lang="en-US" altLang="zh-CN" sz="1800"/>
-              <a:t>11</a:t>
-            </a:r>
-            <a:r>
-              <a:rPr lang="zh-CN" altLang="en-US" sz="1800"/>
-              <a:t> 行的城市可以建造蓄水厂。而输水站的功能则是通过输水管线利用高度落差，将湖水从高处向低处输送。故一座城市能建造输水站的前提，是存在比它海拔更高且拥有公共边的相邻城市，已经建有水利设施。由于第 𝑁</a:t>
-            </a:r>
-            <a:r>
-              <a:rPr lang="en-US" altLang="zh-CN" sz="1800" i="1"/>
-              <a:t>N</a:t>
-            </a:r>
-            <a:r>
-              <a:rPr lang="zh-CN" altLang="en-US" sz="1800"/>
-              <a:t> 行的城市靠近沙漠，是该国的干旱区，所以要求其中的每座城市都建有水利设施。那么，这个要求能否满足呢？如果能，请计算最少建造几个蓄水厂；如果不能，求干旱区中不可能建有水利设施的城市数目。</a:t>
-            </a:r>
-            <a:endParaRPr lang="zh-CN" altLang="en-US" sz="1800" dirty="0">
+            <a:r>
+              <a:rPr lang="zh-CN" altLang="en-US">
+                <a:latin typeface="Consolas" panose="020B0609020204030204" pitchFamily="49" charset="0"/>
+              </a:rPr>
+              <a:t>双端队列</a:t>
+            </a:r>
+            <a:r>
+              <a:rPr lang="en-US" altLang="zh-CN">
+                <a:latin typeface="Consolas" panose="020B0609020204030204" pitchFamily="49" charset="0"/>
+              </a:rPr>
+              <a:t>BFS</a:t>
+            </a:r>
+          </a:p>
+          <a:p>
+            <a:r>
+              <a:rPr lang="zh-CN" altLang="en-US">
+                <a:latin typeface="Consolas" panose="020B0609020204030204" pitchFamily="49" charset="0"/>
+              </a:rPr>
+              <a:t>优先队列</a:t>
+            </a:r>
+            <a:r>
+              <a:rPr lang="en-US" altLang="zh-CN">
+                <a:latin typeface="Consolas" panose="020B0609020204030204" pitchFamily="49" charset="0"/>
+              </a:rPr>
+              <a:t>BFS</a:t>
+            </a:r>
+          </a:p>
+          <a:p>
+            <a:r>
+              <a:rPr lang="zh-CN" altLang="en-US">
+                <a:latin typeface="Consolas" panose="020B0609020204030204" pitchFamily="49" charset="0"/>
+              </a:rPr>
+              <a:t>双向</a:t>
+            </a:r>
+            <a:r>
+              <a:rPr lang="en-US" altLang="zh-CN">
+                <a:latin typeface="Consolas" panose="020B0609020204030204" pitchFamily="49" charset="0"/>
+              </a:rPr>
+              <a:t>BFS</a:t>
+            </a:r>
+            <a:endParaRPr lang="zh-CN" altLang="en-US" dirty="0">
               <a:latin typeface="Consolas" panose="020B0609020204030204" pitchFamily="49" charset="0"/>
             </a:endParaRPr>
-          </a:p>
-        </p:txBody>
-      </p:sp>
-      <p:pic>
-        <p:nvPicPr>
-          <p:cNvPr id="5" name="图片 4">
-            <a:extLst>
-              <a:ext uri="{FF2B5EF4-FFF2-40B4-BE49-F238E27FC236}">
-                <a16:creationId xmlns:a16="http://schemas.microsoft.com/office/drawing/2014/main" id="{A398EE71-4F75-8A08-5A78-FE898A1AEB5E}"/>
-              </a:ext>
-            </a:extLst>
-          </p:cNvPr>
-          <p:cNvPicPr>
-            <a:picLocks noChangeAspect="1"/>
-          </p:cNvPicPr>
-          <p:nvPr/>
-        </p:nvPicPr>
-        <p:blipFill>
-          <a:blip r:embed="rId2"/>
-          <a:stretch>
-            <a:fillRect/>
-          </a:stretch>
-        </p:blipFill>
-        <p:spPr>
-          <a:xfrm>
-            <a:off x="609600" y="3890198"/>
-            <a:ext cx="3415290" cy="2342962"/>
-          </a:xfrm>
-          <a:prstGeom prst="rect">
-            <a:avLst/>
-          </a:prstGeom>
-        </p:spPr>
-      </p:pic>
-      <p:sp>
-        <p:nvSpPr>
-          <p:cNvPr id="6" name="文本框 5">
-            <a:extLst>
-              <a:ext uri="{FF2B5EF4-FFF2-40B4-BE49-F238E27FC236}">
-                <a16:creationId xmlns:a16="http://schemas.microsoft.com/office/drawing/2014/main" id="{51F2F159-79BE-ACE1-8D69-1EF1C65174FD}"/>
-              </a:ext>
-            </a:extLst>
-          </p:cNvPr>
-          <p:cNvSpPr txBox="1"/>
-          <p:nvPr/>
-        </p:nvSpPr>
-        <p:spPr>
-          <a:xfrm>
-            <a:off x="3825328" y="3964198"/>
-            <a:ext cx="3711545" cy="646331"/>
-          </a:xfrm>
-          <a:prstGeom prst="rect">
-            <a:avLst/>
-          </a:prstGeom>
-          <a:noFill/>
-        </p:spPr>
-        <p:txBody>
-          <a:bodyPr wrap="square" rtlCol="0">
-            <a:spAutoFit/>
-          </a:bodyPr>
-          <a:lstStyle/>
-          <a:p>
-            <a:r>
-              <a:rPr lang="zh-CN" altLang="en-US"/>
-              <a:t>数据范围：𝑁</a:t>
-            </a:r>
-            <a:r>
-              <a:rPr lang="en-US" altLang="zh-CN"/>
-              <a:t>,</a:t>
-            </a:r>
-            <a:r>
-              <a:rPr lang="zh-CN" altLang="en-US"/>
-              <a:t>𝑀</a:t>
-            </a:r>
-            <a:r>
-              <a:rPr lang="en-US" altLang="zh-CN"/>
-              <a:t>&lt;=500</a:t>
-            </a:r>
-          </a:p>
-          <a:p>
-            <a:r>
-              <a:rPr lang="zh-CN" altLang="en-US"/>
-              <a:t>请问如何快速抽象题意？</a:t>
-            </a:r>
-            <a:endParaRPr lang="en-US" altLang="zh-CN"/>
           </a:p>
         </p:txBody>
       </p:sp>
     </p:spTree>
     <p:extLst>
       <p:ext uri="{BB962C8B-B14F-4D97-AF65-F5344CB8AC3E}">
-        <p14:creationId xmlns:p14="http://schemas.microsoft.com/office/powerpoint/2010/main" val="2281879319"/>
+        <p14:creationId xmlns:p14="http://schemas.microsoft.com/office/powerpoint/2010/main" val="2750117980"/>
       </p:ext>
     </p:extLst>
   </p:cSld>
@@ -13352,168 +12778,6 @@
                                   </p:childTnLst>
                                 </p:cTn>
                               </p:par>
-                              <p:par>
-                                <p:cTn id="20" presetID="42" presetClass="entr" presetSubtype="0" fill="hold" nodeType="withEffect">
-                                  <p:stCondLst>
-                                    <p:cond delay="0"/>
-                                  </p:stCondLst>
-                                  <p:childTnLst>
-                                    <p:set>
-                                      <p:cBhvr>
-                                        <p:cTn id="21" dur="1" fill="hold">
-                                          <p:stCondLst>
-                                            <p:cond delay="0"/>
-                                          </p:stCondLst>
-                                        </p:cTn>
-                                        <p:tgtEl>
-                                          <p:spTgt spid="5"/>
-                                        </p:tgtEl>
-                                        <p:attrNameLst>
-                                          <p:attrName>style.visibility</p:attrName>
-                                        </p:attrNameLst>
-                                      </p:cBhvr>
-                                      <p:to>
-                                        <p:strVal val="visible"/>
-                                      </p:to>
-                                    </p:set>
-                                    <p:animEffect transition="in" filter="fade">
-                                      <p:cBhvr>
-                                        <p:cTn id="22" dur="1000"/>
-                                        <p:tgtEl>
-                                          <p:spTgt spid="5"/>
-                                        </p:tgtEl>
-                                      </p:cBhvr>
-                                    </p:animEffect>
-                                    <p:anim calcmode="lin" valueType="num">
-                                      <p:cBhvr>
-                                        <p:cTn id="23" dur="1000" fill="hold"/>
-                                        <p:tgtEl>
-                                          <p:spTgt spid="5"/>
-                                        </p:tgtEl>
-                                        <p:attrNameLst>
-                                          <p:attrName>ppt_x</p:attrName>
-                                        </p:attrNameLst>
-                                      </p:cBhvr>
-                                      <p:tavLst>
-                                        <p:tav tm="0">
-                                          <p:val>
-                                            <p:strVal val="#ppt_x"/>
-                                          </p:val>
-                                        </p:tav>
-                                        <p:tav tm="100000">
-                                          <p:val>
-                                            <p:strVal val="#ppt_x"/>
-                                          </p:val>
-                                        </p:tav>
-                                      </p:tavLst>
-                                    </p:anim>
-                                    <p:anim calcmode="lin" valueType="num">
-                                      <p:cBhvr>
-                                        <p:cTn id="24" dur="1000" fill="hold"/>
-                                        <p:tgtEl>
-                                          <p:spTgt spid="5"/>
-                                        </p:tgtEl>
-                                        <p:attrNameLst>
-                                          <p:attrName>ppt_y</p:attrName>
-                                        </p:attrNameLst>
-                                      </p:cBhvr>
-                                      <p:tavLst>
-                                        <p:tav tm="0">
-                                          <p:val>
-                                            <p:strVal val="#ppt_y+.1"/>
-                                          </p:val>
-                                        </p:tav>
-                                        <p:tav tm="100000">
-                                          <p:val>
-                                            <p:strVal val="#ppt_y"/>
-                                          </p:val>
-                                        </p:tav>
-                                      </p:tavLst>
-                                    </p:anim>
-                                  </p:childTnLst>
-                                </p:cTn>
-                              </p:par>
-                              <p:par>
-                                <p:cTn id="25" presetID="42" presetClass="entr" presetSubtype="0" fill="hold" grpId="0" nodeType="withEffect">
-                                  <p:stCondLst>
-                                    <p:cond delay="0"/>
-                                  </p:stCondLst>
-                                  <p:childTnLst>
-                                    <p:set>
-                                      <p:cBhvr>
-                                        <p:cTn id="26" dur="1" fill="hold">
-                                          <p:stCondLst>
-                                            <p:cond delay="0"/>
-                                          </p:stCondLst>
-                                        </p:cTn>
-                                        <p:tgtEl>
-                                          <p:spTgt spid="6"/>
-                                        </p:tgtEl>
-                                        <p:attrNameLst>
-                                          <p:attrName>style.visibility</p:attrName>
-                                        </p:attrNameLst>
-                                      </p:cBhvr>
-                                      <p:to>
-                                        <p:strVal val="visible"/>
-                                      </p:to>
-                                    </p:set>
-                                    <p:animEffect transition="in" filter="fade">
-                                      <p:cBhvr>
-                                        <p:cTn id="27" dur="1000"/>
-                                        <p:tgtEl>
-                                          <p:spTgt spid="6"/>
-                                        </p:tgtEl>
-                                      </p:cBhvr>
-                                    </p:animEffect>
-                                    <p:anim calcmode="lin" valueType="num">
-                                      <p:cBhvr>
-                                        <p:cTn id="28" dur="1000" fill="hold"/>
-                                        <p:tgtEl>
-                                          <p:spTgt spid="6"/>
-                                        </p:tgtEl>
-                                        <p:attrNameLst>
-                                          <p:attrName>ppt_x</p:attrName>
-                                        </p:attrNameLst>
-                                      </p:cBhvr>
-                                      <p:tavLst>
-                                        <p:tav tm="0">
-                                          <p:val>
-                                            <p:strVal val="#ppt_x"/>
-                                          </p:val>
-                                        </p:tav>
-                                        <p:tav tm="100000">
-                                          <p:val>
-                                            <p:strVal val="#ppt_x"/>
-                                          </p:val>
-                                        </p:tav>
-                                      </p:tavLst>
-                                    </p:anim>
-                                    <p:anim calcmode="lin" valueType="num">
-                                      <p:cBhvr>
-                                        <p:cTn id="29" dur="1000" fill="hold"/>
-                                        <p:tgtEl>
-                                          <p:spTgt spid="6"/>
-                                        </p:tgtEl>
-                                        <p:attrNameLst>
-                                          <p:attrName>ppt_y</p:attrName>
-                                        </p:attrNameLst>
-                                      </p:cBhvr>
-                                      <p:tavLst>
-                                        <p:tav tm="0">
-                                          <p:val>
-                                            <p:strVal val="#ppt_y+.1"/>
-                                          </p:val>
-                                        </p:tav>
-                                        <p:tav tm="100000">
-                                          <p:val>
-                                            <p:strVal val="#ppt_y"/>
-                                          </p:val>
-                                        </p:tav>
-                                      </p:tavLst>
-                                    </p:anim>
-                                  </p:childTnLst>
-                                </p:cTn>
-                              </p:par>
                             </p:childTnLst>
                           </p:cTn>
                         </p:par>
@@ -13542,8 +12806,7 @@
       </p:par>
     </p:tnLst>
     <p:bldLst>
-      <p:bldP spid="3" grpId="0" build="p"/>
-      <p:bldP spid="6" grpId="0"/>
+      <p:bldP spid="3" grpId="0" uiExpand="1" build="p"/>
     </p:bldLst>
   </p:timing>
 </p:sld>
@@ -13582,24 +12845,18 @@
           <a:lstStyle/>
           <a:p>
             <a:r>
-              <a:rPr lang="zh-CN" altLang="en-US"/>
-              <a:t>洛谷</a:t>
-            </a:r>
-            <a:r>
-              <a:rPr lang="en-US" altLang="zh-CN"/>
-              <a:t>1514 [NOIP2010 </a:t>
-            </a:r>
-            <a:r>
-              <a:rPr lang="zh-CN" altLang="en-US"/>
-              <a:t>提高组</a:t>
-            </a:r>
-            <a:r>
-              <a:rPr lang="en-US" altLang="zh-CN"/>
-              <a:t>] </a:t>
-            </a:r>
-            <a:r>
-              <a:rPr lang="zh-CN" altLang="en-US"/>
-              <a:t>引水入城</a:t>
+              <a:rPr lang="en-US" altLang="zh-CN">
+                <a:latin typeface="Times New Roman" panose="02020603050405020304" pitchFamily="18" charset="0"/>
+                <a:cs typeface="Times New Roman" panose="02020603050405020304" pitchFamily="18" charset="0"/>
+              </a:rPr>
+              <a:t>AcWing 175</a:t>
+            </a:r>
+            <a:r>
+              <a:rPr lang="zh-CN" altLang="en-US">
+                <a:latin typeface="Times New Roman" panose="02020603050405020304" pitchFamily="18" charset="0"/>
+                <a:cs typeface="Times New Roman" panose="02020603050405020304" pitchFamily="18" charset="0"/>
+              </a:rPr>
+              <a:t>电路维修</a:t>
             </a:r>
             <a:endParaRPr lang="en-US" altLang="zh-CN" dirty="0">
               <a:latin typeface="Times New Roman" panose="02020603050405020304" pitchFamily="18" charset="0"/>
@@ -13618,130 +12875,141 @@
             <p:ph sz="quarter" idx="1"/>
           </p:nvPr>
         </p:nvSpPr>
-        <p:spPr/>
+        <p:spPr>
+          <a:xfrm>
+            <a:off x="729672" y="1450110"/>
+            <a:ext cx="10972800" cy="4937760"/>
+          </a:xfrm>
+        </p:spPr>
         <p:txBody>
-          <a:bodyPr/>
+          <a:bodyPr>
+            <a:normAutofit/>
+          </a:bodyPr>
           <a:lstStyle/>
           <a:p>
-            <a:r>
-              <a:rPr lang="zh-CN" altLang="en-US">
-                <a:latin typeface="Consolas" panose="020B0609020204030204" pitchFamily="49" charset="0"/>
-              </a:rPr>
-              <a:t>思考如何判断是否能够满足要求？</a:t>
-            </a:r>
-            <a:endParaRPr lang="en-US" altLang="zh-CN">
+            <a:pPr marL="0" indent="0">
+              <a:buNone/>
+            </a:pPr>
+            <a:r>
+              <a:rPr lang="zh-CN" altLang="en-US" sz="2400">
+                <a:latin typeface="Consolas" panose="020B0609020204030204" pitchFamily="49" charset="0"/>
+              </a:rPr>
+              <a:t>电路板的整体结构是一个</a:t>
+            </a:r>
+            <a:r>
+              <a:rPr lang="en-US" altLang="zh-CN" sz="2400">
+                <a:latin typeface="Consolas" panose="020B0609020204030204" pitchFamily="49" charset="0"/>
+              </a:rPr>
+              <a:t>R</a:t>
+            </a:r>
+            <a:r>
+              <a:rPr lang="zh-CN" altLang="en-US" sz="2400">
+                <a:latin typeface="Consolas" panose="020B0609020204030204" pitchFamily="49" charset="0"/>
+              </a:rPr>
+              <a:t>行</a:t>
+            </a:r>
+            <a:r>
+              <a:rPr lang="en-US" altLang="zh-CN" sz="2400">
+                <a:latin typeface="Consolas" panose="020B0609020204030204" pitchFamily="49" charset="0"/>
+              </a:rPr>
+              <a:t>C</a:t>
+            </a:r>
+            <a:r>
+              <a:rPr lang="zh-CN" altLang="en-US" sz="2400">
+                <a:latin typeface="Consolas" panose="020B0609020204030204" pitchFamily="49" charset="0"/>
+              </a:rPr>
+              <a:t>列的网格</a:t>
+            </a:r>
+            <a:r>
+              <a:rPr lang="en-US" altLang="zh-CN" sz="2400">
+                <a:latin typeface="Consolas" panose="020B0609020204030204" pitchFamily="49" charset="0"/>
+              </a:rPr>
+              <a:t>(R,C≤500)</a:t>
+            </a:r>
+            <a:r>
+              <a:rPr lang="zh-CN" altLang="en-US" sz="2400">
+                <a:latin typeface="Consolas" panose="020B0609020204030204" pitchFamily="49" charset="0"/>
+              </a:rPr>
+              <a:t>，如图所示。</a:t>
+            </a:r>
+            <a:endParaRPr lang="en-US" altLang="zh-CN" sz="2400">
               <a:latin typeface="Consolas" panose="020B0609020204030204" pitchFamily="49" charset="0"/>
             </a:endParaRPr>
           </a:p>
           <a:p>
-            <a:r>
-              <a:rPr lang="zh-CN" altLang="en-US">
-                <a:latin typeface="Consolas" panose="020B0609020204030204" pitchFamily="49" charset="0"/>
-              </a:rPr>
-              <a:t>从最后一排的每个点倒着搜索，看看是否能够到达</a:t>
-            </a:r>
-            <a:endParaRPr lang="en-US" altLang="zh-CN">
+            <a:pPr marL="0" indent="0">
+              <a:buNone/>
+            </a:pPr>
+            <a:r>
+              <a:rPr lang="zh-CN" altLang="en-US" sz="2400">
+                <a:latin typeface="Consolas" panose="020B0609020204030204" pitchFamily="49" charset="0"/>
+              </a:rPr>
+              <a:t>每个格点都是电线的接点，每个格子都包含一个电子元件。电子元件的主要部分是一个可旋转的、连接一条对角线上的两个接点的短电缆。在旋转之后，它就可以连接另一条对角线的两个接点。电路板左上角的接点接入直流电源，右下角的接点接入飞行车的发动装置。</a:t>
+            </a:r>
+          </a:p>
+          <a:p>
+            <a:pPr marL="0" indent="0">
+              <a:buNone/>
+            </a:pPr>
+            <a:r>
+              <a:rPr lang="zh-CN" altLang="en-US" sz="2400">
+                <a:latin typeface="Consolas" panose="020B0609020204030204" pitchFamily="49" charset="0"/>
+              </a:rPr>
+              <a:t>求旋转最少数量的元件，使电源与发动装置相连。</a:t>
+            </a:r>
+          </a:p>
+          <a:p>
+            <a:pPr marL="0" indent="0">
+              <a:buNone/>
+            </a:pPr>
+            <a:endParaRPr lang="zh-CN" altLang="en-US" sz="2400">
               <a:latin typeface="Consolas" panose="020B0609020204030204" pitchFamily="49" charset="0"/>
             </a:endParaRPr>
           </a:p>
           <a:p>
-            <a:r>
-              <a:rPr lang="zh-CN" altLang="en-US">
-                <a:latin typeface="Consolas" panose="020B0609020204030204" pitchFamily="49" charset="0"/>
-              </a:rPr>
-              <a:t>如何计算最少建造几个蓄水厂？</a:t>
-            </a:r>
-            <a:endParaRPr lang="en-US" altLang="zh-CN">
+            <a:pPr marL="0" indent="0">
+              <a:buNone/>
+            </a:pPr>
+            <a:endParaRPr lang="zh-CN" altLang="en-US" sz="2400" dirty="0">
               <a:latin typeface="Consolas" panose="020B0609020204030204" pitchFamily="49" charset="0"/>
             </a:endParaRPr>
           </a:p>
-          <a:p>
-            <a:r>
-              <a:rPr lang="zh-CN" altLang="en-US">
-                <a:latin typeface="Consolas" panose="020B0609020204030204" pitchFamily="49" charset="0"/>
-              </a:rPr>
-              <a:t>性质：</a:t>
-            </a:r>
-            <a:r>
-              <a:rPr lang="zh-CN" altLang="en-US"/>
-              <a:t>如果有解，我们每个点覆盖的城市</a:t>
-            </a:r>
-            <a:r>
-              <a:rPr lang="en-US" altLang="zh-CN"/>
-              <a:t>(</a:t>
-            </a:r>
-            <a:r>
-              <a:rPr lang="zh-CN" altLang="en-US"/>
-              <a:t>线段</a:t>
-            </a:r>
-            <a:r>
-              <a:rPr lang="en-US" altLang="zh-CN"/>
-              <a:t>)</a:t>
-            </a:r>
-            <a:r>
-              <a:rPr lang="zh-CN" altLang="en-US"/>
-              <a:t>一定是连续的</a:t>
-            </a:r>
-            <a:r>
-              <a:rPr lang="en-US" altLang="zh-CN"/>
-              <a:t>(</a:t>
-            </a:r>
-            <a:r>
-              <a:rPr lang="zh-CN" altLang="en-US"/>
-              <a:t>思考为什么？</a:t>
-            </a:r>
-            <a:r>
-              <a:rPr lang="en-US" altLang="zh-CN"/>
-              <a:t>)</a:t>
-            </a:r>
-          </a:p>
-          <a:p>
-            <a:r>
-              <a:rPr lang="zh-CN" altLang="en-US">
-                <a:latin typeface="Consolas" panose="020B0609020204030204" pitchFamily="49" charset="0"/>
-              </a:rPr>
-              <a:t>因此，我们只需要求出</a:t>
-            </a:r>
-            <a:r>
-              <a:rPr lang="zh-CN" altLang="en-US"/>
-              <a:t>每个点能到达最左和最右的点</a:t>
-            </a:r>
-            <a:r>
-              <a:rPr lang="en-US" altLang="zh-CN"/>
-              <a:t>,</a:t>
-            </a:r>
-            <a:r>
-              <a:rPr lang="zh-CN" altLang="en-US"/>
-              <a:t>用</a:t>
-            </a:r>
-            <a:r>
-              <a:rPr lang="en-US" altLang="zh-CN"/>
-              <a:t>l[i][j],r[i][j]</a:t>
-            </a:r>
-            <a:r>
-              <a:rPr lang="zh-CN" altLang="en-US"/>
-              <a:t>分别表示该点能到达的最左和最右</a:t>
-            </a:r>
-            <a:endParaRPr lang="en-US" altLang="zh-CN"/>
-          </a:p>
-          <a:p>
-            <a:r>
-              <a:rPr lang="zh-CN" altLang="en-US"/>
-              <a:t>最后转化为经典的区间覆盖问题</a:t>
-            </a:r>
-            <a:endParaRPr lang="en-US" altLang="zh-CN"/>
-          </a:p>
-          <a:p>
-            <a:endParaRPr lang="en-US" altLang="zh-CN">
-              <a:latin typeface="Consolas" panose="020B0609020204030204" pitchFamily="49" charset="0"/>
-            </a:endParaRPr>
-          </a:p>
         </p:txBody>
       </p:sp>
+      <p:pic>
+        <p:nvPicPr>
+          <p:cNvPr id="10" name="图片 9">
+            <a:extLst>
+              <a:ext uri="{FF2B5EF4-FFF2-40B4-BE49-F238E27FC236}">
+                <a16:creationId xmlns:a16="http://schemas.microsoft.com/office/drawing/2014/main" id="{CCD072F6-002A-BA62-D101-F1E72909BBFF}"/>
+              </a:ext>
+            </a:extLst>
+          </p:cNvPr>
+          <p:cNvPicPr>
+            <a:picLocks noChangeAspect="1"/>
+          </p:cNvPicPr>
+          <p:nvPr/>
+        </p:nvPicPr>
+        <p:blipFill>
+          <a:blip r:embed="rId2"/>
+          <a:stretch>
+            <a:fillRect/>
+          </a:stretch>
+        </p:blipFill>
+        <p:spPr>
+          <a:xfrm>
+            <a:off x="7229475" y="3918990"/>
+            <a:ext cx="3715616" cy="2423899"/>
+          </a:xfrm>
+          <a:prstGeom prst="rect">
+            <a:avLst/>
+          </a:prstGeom>
+        </p:spPr>
+      </p:pic>
     </p:spTree>
     <p:extLst>
       <p:ext uri="{BB962C8B-B14F-4D97-AF65-F5344CB8AC3E}">
-        <p14:creationId xmlns:p14="http://schemas.microsoft.com/office/powerpoint/2010/main" val="1457035098"/>
+        <p14:creationId xmlns:p14="http://schemas.microsoft.com/office/powerpoint/2010/main" val="676924280"/>
       </p:ext>
     </p:extLst>
   </p:cSld>
@@ -13865,33 +13133,15 @@
                                   </p:childTnLst>
                                 </p:cTn>
                               </p:par>
-                            </p:childTnLst>
-                          </p:cTn>
-                        </p:par>
-                      </p:childTnLst>
-                    </p:cTn>
-                  </p:par>
-                  <p:par>
-                    <p:cTn id="10" fill="hold">
-                      <p:stCondLst>
-                        <p:cond delay="indefinite"/>
-                      </p:stCondLst>
-                      <p:childTnLst>
-                        <p:par>
-                          <p:cTn id="11" fill="hold">
-                            <p:stCondLst>
-                              <p:cond delay="0"/>
-                            </p:stCondLst>
-                            <p:childTnLst>
                               <p:par>
-                                <p:cTn id="12" presetID="42" presetClass="entr" presetSubtype="0" fill="hold" grpId="0" nodeType="clickEffect">
+                                <p:cTn id="10" presetID="42" presetClass="entr" presetSubtype="0" fill="hold" grpId="0" nodeType="withEffect">
                                   <p:stCondLst>
                                     <p:cond delay="0"/>
                                   </p:stCondLst>
                                   <p:childTnLst>
                                     <p:set>
                                       <p:cBhvr>
-                                        <p:cTn id="13" dur="1" fill="hold">
+                                        <p:cTn id="11" dur="1" fill="hold">
                                           <p:stCondLst>
                                             <p:cond delay="0"/>
                                           </p:stCondLst>
@@ -13913,7 +13163,7 @@
                                     </p:set>
                                     <p:animEffect transition="in" filter="fade">
                                       <p:cBhvr>
-                                        <p:cTn id="14" dur="1000"/>
+                                        <p:cTn id="12" dur="1000"/>
                                         <p:tgtEl>
                                           <p:spTgt spid="3">
                                             <p:txEl>
@@ -13925,7 +13175,7 @@
                                     </p:animEffect>
                                     <p:anim calcmode="lin" valueType="num">
                                       <p:cBhvr>
-                                        <p:cTn id="15" dur="1000" fill="hold"/>
+                                        <p:cTn id="13" dur="1000" fill="hold"/>
                                         <p:tgtEl>
                                           <p:spTgt spid="3">
                                             <p:txEl>
@@ -13952,7 +13202,7 @@
                                     </p:anim>
                                     <p:anim calcmode="lin" valueType="num">
                                       <p:cBhvr>
-                                        <p:cTn id="16" dur="1000" fill="hold"/>
+                                        <p:cTn id="14" dur="1000" fill="hold"/>
                                         <p:tgtEl>
                                           <p:spTgt spid="3">
                                             <p:txEl>
@@ -13980,33 +13230,15 @@
                                   </p:childTnLst>
                                 </p:cTn>
                               </p:par>
-                            </p:childTnLst>
-                          </p:cTn>
-                        </p:par>
-                      </p:childTnLst>
-                    </p:cTn>
-                  </p:par>
-                  <p:par>
-                    <p:cTn id="17" fill="hold">
-                      <p:stCondLst>
-                        <p:cond delay="indefinite"/>
-                      </p:stCondLst>
-                      <p:childTnLst>
-                        <p:par>
-                          <p:cTn id="18" fill="hold">
-                            <p:stCondLst>
-                              <p:cond delay="0"/>
-                            </p:stCondLst>
-                            <p:childTnLst>
                               <p:par>
-                                <p:cTn id="19" presetID="42" presetClass="entr" presetSubtype="0" fill="hold" grpId="0" nodeType="clickEffect">
+                                <p:cTn id="15" presetID="42" presetClass="entr" presetSubtype="0" fill="hold" grpId="0" nodeType="withEffect">
                                   <p:stCondLst>
                                     <p:cond delay="0"/>
                                   </p:stCondLst>
                                   <p:childTnLst>
                                     <p:set>
                                       <p:cBhvr>
-                                        <p:cTn id="20" dur="1" fill="hold">
+                                        <p:cTn id="16" dur="1" fill="hold">
                                           <p:stCondLst>
                                             <p:cond delay="0"/>
                                           </p:stCondLst>
@@ -14028,7 +13260,7 @@
                                     </p:set>
                                     <p:animEffect transition="in" filter="fade">
                                       <p:cBhvr>
-                                        <p:cTn id="21" dur="1000"/>
+                                        <p:cTn id="17" dur="1000"/>
                                         <p:tgtEl>
                                           <p:spTgt spid="3">
                                             <p:txEl>
@@ -14040,7 +13272,7 @@
                                     </p:animEffect>
                                     <p:anim calcmode="lin" valueType="num">
                                       <p:cBhvr>
-                                        <p:cTn id="22" dur="1000" fill="hold"/>
+                                        <p:cTn id="18" dur="1000" fill="hold"/>
                                         <p:tgtEl>
                                           <p:spTgt spid="3">
                                             <p:txEl>
@@ -14067,7 +13299,7 @@
                                     </p:anim>
                                     <p:anim calcmode="lin" valueType="num">
                                       <p:cBhvr>
-                                        <p:cTn id="23" dur="1000" fill="hold"/>
+                                        <p:cTn id="19" dur="1000" fill="hold"/>
                                         <p:tgtEl>
                                           <p:spTgt spid="3">
                                             <p:txEl>
@@ -14095,43 +13327,21 @@
                                   </p:childTnLst>
                                 </p:cTn>
                               </p:par>
-                            </p:childTnLst>
-                          </p:cTn>
-                        </p:par>
-                      </p:childTnLst>
-                    </p:cTn>
-                  </p:par>
-                  <p:par>
-                    <p:cTn id="24" fill="hold">
-                      <p:stCondLst>
-                        <p:cond delay="indefinite"/>
-                      </p:stCondLst>
-                      <p:childTnLst>
-                        <p:par>
-                          <p:cTn id="25" fill="hold">
-                            <p:stCondLst>
-                              <p:cond delay="0"/>
-                            </p:stCondLst>
-                            <p:childTnLst>
                               <p:par>
-                                <p:cTn id="26" presetID="42" presetClass="entr" presetSubtype="0" fill="hold" grpId="0" nodeType="clickEffect">
+                                <p:cTn id="20" presetID="42" presetClass="entr" presetSubtype="0" fill="hold" nodeType="withEffect">
                                   <p:stCondLst>
                                     <p:cond delay="0"/>
                                   </p:stCondLst>
                                   <p:childTnLst>
                                     <p:set>
                                       <p:cBhvr>
-                                        <p:cTn id="27" dur="1" fill="hold">
+                                        <p:cTn id="21" dur="1" fill="hold">
                                           <p:stCondLst>
                                             <p:cond delay="0"/>
                                           </p:stCondLst>
                                         </p:cTn>
                                         <p:tgtEl>
-                                          <p:spTgt spid="3">
-                                            <p:txEl>
-                                              <p:pRg st="3" end="3"/>
-                                            </p:txEl>
-                                          </p:spTgt>
+                                          <p:spTgt spid="10"/>
                                         </p:tgtEl>
                                         <p:attrNameLst>
                                           <p:attrName>style.visibility</p:attrName>
@@ -14143,25 +13353,17 @@
                                     </p:set>
                                     <p:animEffect transition="in" filter="fade">
                                       <p:cBhvr>
-                                        <p:cTn id="28" dur="1000"/>
-                                        <p:tgtEl>
-                                          <p:spTgt spid="3">
-                                            <p:txEl>
-                                              <p:pRg st="3" end="3"/>
-                                            </p:txEl>
-                                          </p:spTgt>
+                                        <p:cTn id="22" dur="1000"/>
+                                        <p:tgtEl>
+                                          <p:spTgt spid="10"/>
                                         </p:tgtEl>
                                       </p:cBhvr>
                                     </p:animEffect>
                                     <p:anim calcmode="lin" valueType="num">
                                       <p:cBhvr>
-                                        <p:cTn id="29" dur="1000" fill="hold"/>
-                                        <p:tgtEl>
-                                          <p:spTgt spid="3">
-                                            <p:txEl>
-                                              <p:pRg st="3" end="3"/>
-                                            </p:txEl>
-                                          </p:spTgt>
+                                        <p:cTn id="23" dur="1000" fill="hold"/>
+                                        <p:tgtEl>
+                                          <p:spTgt spid="10"/>
                                         </p:tgtEl>
                                         <p:attrNameLst>
                                           <p:attrName>ppt_x</p:attrName>
@@ -14182,243 +13384,9 @@
                                     </p:anim>
                                     <p:anim calcmode="lin" valueType="num">
                                       <p:cBhvr>
-                                        <p:cTn id="30" dur="1000" fill="hold"/>
-                                        <p:tgtEl>
-                                          <p:spTgt spid="3">
-                                            <p:txEl>
-                                              <p:pRg st="3" end="3"/>
-                                            </p:txEl>
-                                          </p:spTgt>
-                                        </p:tgtEl>
-                                        <p:attrNameLst>
-                                          <p:attrName>ppt_y</p:attrName>
-                                        </p:attrNameLst>
-                                      </p:cBhvr>
-                                      <p:tavLst>
-                                        <p:tav tm="0">
-                                          <p:val>
-                                            <p:strVal val="#ppt_y+.1"/>
-                                          </p:val>
-                                        </p:tav>
-                                        <p:tav tm="100000">
-                                          <p:val>
-                                            <p:strVal val="#ppt_y"/>
-                                          </p:val>
-                                        </p:tav>
-                                      </p:tavLst>
-                                    </p:anim>
-                                  </p:childTnLst>
-                                </p:cTn>
-                              </p:par>
-                            </p:childTnLst>
-                          </p:cTn>
-                        </p:par>
-                      </p:childTnLst>
-                    </p:cTn>
-                  </p:par>
-                  <p:par>
-                    <p:cTn id="31" fill="hold">
-                      <p:stCondLst>
-                        <p:cond delay="indefinite"/>
-                      </p:stCondLst>
-                      <p:childTnLst>
-                        <p:par>
-                          <p:cTn id="32" fill="hold">
-                            <p:stCondLst>
-                              <p:cond delay="0"/>
-                            </p:stCondLst>
-                            <p:childTnLst>
-                              <p:par>
-                                <p:cTn id="33" presetID="42" presetClass="entr" presetSubtype="0" fill="hold" grpId="0" nodeType="clickEffect">
-                                  <p:stCondLst>
-                                    <p:cond delay="0"/>
-                                  </p:stCondLst>
-                                  <p:childTnLst>
-                                    <p:set>
-                                      <p:cBhvr>
-                                        <p:cTn id="34" dur="1" fill="hold">
-                                          <p:stCondLst>
-                                            <p:cond delay="0"/>
-                                          </p:stCondLst>
-                                        </p:cTn>
-                                        <p:tgtEl>
-                                          <p:spTgt spid="3">
-                                            <p:txEl>
-                                              <p:pRg st="4" end="4"/>
-                                            </p:txEl>
-                                          </p:spTgt>
-                                        </p:tgtEl>
-                                        <p:attrNameLst>
-                                          <p:attrName>style.visibility</p:attrName>
-                                        </p:attrNameLst>
-                                      </p:cBhvr>
-                                      <p:to>
-                                        <p:strVal val="visible"/>
-                                      </p:to>
-                                    </p:set>
-                                    <p:animEffect transition="in" filter="fade">
-                                      <p:cBhvr>
-                                        <p:cTn id="35" dur="1000"/>
-                                        <p:tgtEl>
-                                          <p:spTgt spid="3">
-                                            <p:txEl>
-                                              <p:pRg st="4" end="4"/>
-                                            </p:txEl>
-                                          </p:spTgt>
-                                        </p:tgtEl>
-                                      </p:cBhvr>
-                                    </p:animEffect>
-                                    <p:anim calcmode="lin" valueType="num">
-                                      <p:cBhvr>
-                                        <p:cTn id="36" dur="1000" fill="hold"/>
-                                        <p:tgtEl>
-                                          <p:spTgt spid="3">
-                                            <p:txEl>
-                                              <p:pRg st="4" end="4"/>
-                                            </p:txEl>
-                                          </p:spTgt>
-                                        </p:tgtEl>
-                                        <p:attrNameLst>
-                                          <p:attrName>ppt_x</p:attrName>
-                                        </p:attrNameLst>
-                                      </p:cBhvr>
-                                      <p:tavLst>
-                                        <p:tav tm="0">
-                                          <p:val>
-                                            <p:strVal val="#ppt_x"/>
-                                          </p:val>
-                                        </p:tav>
-                                        <p:tav tm="100000">
-                                          <p:val>
-                                            <p:strVal val="#ppt_x"/>
-                                          </p:val>
-                                        </p:tav>
-                                      </p:tavLst>
-                                    </p:anim>
-                                    <p:anim calcmode="lin" valueType="num">
-                                      <p:cBhvr>
-                                        <p:cTn id="37" dur="1000" fill="hold"/>
-                                        <p:tgtEl>
-                                          <p:spTgt spid="3">
-                                            <p:txEl>
-                                              <p:pRg st="4" end="4"/>
-                                            </p:txEl>
-                                          </p:spTgt>
-                                        </p:tgtEl>
-                                        <p:attrNameLst>
-                                          <p:attrName>ppt_y</p:attrName>
-                                        </p:attrNameLst>
-                                      </p:cBhvr>
-                                      <p:tavLst>
-                                        <p:tav tm="0">
-                                          <p:val>
-                                            <p:strVal val="#ppt_y+.1"/>
-                                          </p:val>
-                                        </p:tav>
-                                        <p:tav tm="100000">
-                                          <p:val>
-                                            <p:strVal val="#ppt_y"/>
-                                          </p:val>
-                                        </p:tav>
-                                      </p:tavLst>
-                                    </p:anim>
-                                  </p:childTnLst>
-                                </p:cTn>
-                              </p:par>
-                            </p:childTnLst>
-                          </p:cTn>
-                        </p:par>
-                      </p:childTnLst>
-                    </p:cTn>
-                  </p:par>
-                  <p:par>
-                    <p:cTn id="38" fill="hold">
-                      <p:stCondLst>
-                        <p:cond delay="indefinite"/>
-                      </p:stCondLst>
-                      <p:childTnLst>
-                        <p:par>
-                          <p:cTn id="39" fill="hold">
-                            <p:stCondLst>
-                              <p:cond delay="0"/>
-                            </p:stCondLst>
-                            <p:childTnLst>
-                              <p:par>
-                                <p:cTn id="40" presetID="42" presetClass="entr" presetSubtype="0" fill="hold" grpId="0" nodeType="clickEffect">
-                                  <p:stCondLst>
-                                    <p:cond delay="0"/>
-                                  </p:stCondLst>
-                                  <p:childTnLst>
-                                    <p:set>
-                                      <p:cBhvr>
-                                        <p:cTn id="41" dur="1" fill="hold">
-                                          <p:stCondLst>
-                                            <p:cond delay="0"/>
-                                          </p:stCondLst>
-                                        </p:cTn>
-                                        <p:tgtEl>
-                                          <p:spTgt spid="3">
-                                            <p:txEl>
-                                              <p:pRg st="5" end="5"/>
-                                            </p:txEl>
-                                          </p:spTgt>
-                                        </p:tgtEl>
-                                        <p:attrNameLst>
-                                          <p:attrName>style.visibility</p:attrName>
-                                        </p:attrNameLst>
-                                      </p:cBhvr>
-                                      <p:to>
-                                        <p:strVal val="visible"/>
-                                      </p:to>
-                                    </p:set>
-                                    <p:animEffect transition="in" filter="fade">
-                                      <p:cBhvr>
-                                        <p:cTn id="42" dur="1000"/>
-                                        <p:tgtEl>
-                                          <p:spTgt spid="3">
-                                            <p:txEl>
-                                              <p:pRg st="5" end="5"/>
-                                            </p:txEl>
-                                          </p:spTgt>
-                                        </p:tgtEl>
-                                      </p:cBhvr>
-                                    </p:animEffect>
-                                    <p:anim calcmode="lin" valueType="num">
-                                      <p:cBhvr>
-                                        <p:cTn id="43" dur="1000" fill="hold"/>
-                                        <p:tgtEl>
-                                          <p:spTgt spid="3">
-                                            <p:txEl>
-                                              <p:pRg st="5" end="5"/>
-                                            </p:txEl>
-                                          </p:spTgt>
-                                        </p:tgtEl>
-                                        <p:attrNameLst>
-                                          <p:attrName>ppt_x</p:attrName>
-                                        </p:attrNameLst>
-                                      </p:cBhvr>
-                                      <p:tavLst>
-                                        <p:tav tm="0">
-                                          <p:val>
-                                            <p:strVal val="#ppt_x"/>
-                                          </p:val>
-                                        </p:tav>
-                                        <p:tav tm="100000">
-                                          <p:val>
-                                            <p:strVal val="#ppt_x"/>
-                                          </p:val>
-                                        </p:tav>
-                                      </p:tavLst>
-                                    </p:anim>
-                                    <p:anim calcmode="lin" valueType="num">
-                                      <p:cBhvr>
-                                        <p:cTn id="44" dur="1000" fill="hold"/>
-                                        <p:tgtEl>
-                                          <p:spTgt spid="3">
-                                            <p:txEl>
-                                              <p:pRg st="5" end="5"/>
-                                            </p:txEl>
-                                          </p:spTgt>
+                                        <p:cTn id="24" dur="1000" fill="hold"/>
+                                        <p:tgtEl>
+                                          <p:spTgt spid="10"/>
                                         </p:tgtEl>
                                         <p:attrNameLst>
                                           <p:attrName>ppt_y</p:attrName>
